--- a/Bloque 2 - Instalación/Taller6 - Resolución de problemas.pptx
+++ b/Bloque 2 - Instalación/Taller6 - Resolución de problemas.pptx
@@ -6,11 +6,14 @@
     <p:sldMasterId id="2147483793" r:id="rId2"/>
   </p:sldMasterIdLst>
   <p:notesMasterIdLst>
-    <p:notesMasterId r:id="rId5"/>
+    <p:notesMasterId r:id="rId8"/>
   </p:notesMasterIdLst>
   <p:sldIdLst>
     <p:sldId id="291" r:id="rId3"/>
-    <p:sldId id="282" r:id="rId4"/>
+    <p:sldId id="2147469508" r:id="rId4"/>
+    <p:sldId id="2147469507" r:id="rId5"/>
+    <p:sldId id="2147469509" r:id="rId6"/>
+    <p:sldId id="282" r:id="rId7"/>
   </p:sldIdLst>
   <p:sldSz cx="12192000" cy="6858000"/>
   <p:notesSz cx="6858000" cy="9144000"/>
@@ -3449,7 +3452,7 @@
           <a:p>
             <a:fld id="{A334C884-B1D7-A043-A4AA-521744755A4B}" type="datetimeFigureOut">
               <a:rPr lang="en-US" smtClean="0"/>
-              <a:t>4/2/2022</a:t>
+              <a:t>4/17/2022</a:t>
             </a:fld>
             <a:endParaRPr lang="en-US"/>
           </a:p>
@@ -3760,6 +3763,489 @@
           <a:bodyPr/>
           <a:lstStyle/>
           <a:p>
+            <a:pPr marL="0" marR="0" lvl="0" indent="0" algn="l" defTabSz="914400" rtl="0" eaLnBrk="1" fontAlgn="auto" latinLnBrk="0" hangingPunct="1">
+              <a:lnSpc>
+                <a:spcPct val="100000"/>
+              </a:lnSpc>
+              <a:spcBef>
+                <a:spcPts val="0"/>
+              </a:spcBef>
+              <a:spcAft>
+                <a:spcPts val="0"/>
+              </a:spcAft>
+              <a:buClrTx/>
+              <a:buSzTx/>
+              <a:buFontTx/>
+              <a:buNone/>
+              <a:tabLst/>
+              <a:defRPr/>
+            </a:pPr>
+            <a:endParaRPr lang="en-US" dirty="0"/>
+          </a:p>
+        </p:txBody>
+      </p:sp>
+      <p:sp>
+        <p:nvSpPr>
+          <p:cNvPr id="4" name="Slide Number Placeholder 3"/>
+          <p:cNvSpPr>
+            <a:spLocks noGrp="1"/>
+          </p:cNvSpPr>
+          <p:nvPr>
+            <p:ph type="sldNum" sz="quarter" idx="5"/>
+          </p:nvPr>
+        </p:nvSpPr>
+        <p:spPr/>
+        <p:txBody>
+          <a:bodyPr/>
+          <a:lstStyle/>
+          <a:p>
+            <a:pPr marL="0" marR="0" lvl="0" indent="0" algn="r" defTabSz="914400" rtl="0" eaLnBrk="1" fontAlgn="auto" latinLnBrk="0" hangingPunct="1">
+              <a:lnSpc>
+                <a:spcPct val="100000"/>
+              </a:lnSpc>
+              <a:spcBef>
+                <a:spcPts val="0"/>
+              </a:spcBef>
+              <a:spcAft>
+                <a:spcPts val="0"/>
+              </a:spcAft>
+              <a:buClrTx/>
+              <a:buSzTx/>
+              <a:buFontTx/>
+              <a:buNone/>
+              <a:tabLst/>
+              <a:defRPr/>
+            </a:pPr>
+            <a:fld id="{F14E7EBF-8FEE-4079-889B-EEE134D3083A}" type="slidenum">
+              <a:rPr kumimoji="0" lang="en-US" sz="1200" b="0" i="0" u="none" strike="noStrike" kern="1200" cap="none" spc="0" normalizeH="0" baseline="0" noProof="0" smtClean="0">
+                <a:ln>
+                  <a:noFill/>
+                </a:ln>
+                <a:solidFill>
+                  <a:prstClr val="black"/>
+                </a:solidFill>
+                <a:effectLst/>
+                <a:uLnTx/>
+                <a:uFillTx/>
+                <a:latin typeface="Calibri" panose="020F0502020204030204"/>
+                <a:ea typeface="+mn-ea"/>
+                <a:cs typeface="+mn-cs"/>
+              </a:rPr>
+              <a:pPr marL="0" marR="0" lvl="0" indent="0" algn="r" defTabSz="914400" rtl="0" eaLnBrk="1" fontAlgn="auto" latinLnBrk="0" hangingPunct="1">
+                <a:lnSpc>
+                  <a:spcPct val="100000"/>
+                </a:lnSpc>
+                <a:spcBef>
+                  <a:spcPts val="0"/>
+                </a:spcBef>
+                <a:spcAft>
+                  <a:spcPts val="0"/>
+                </a:spcAft>
+                <a:buClrTx/>
+                <a:buSzTx/>
+                <a:buFontTx/>
+                <a:buNone/>
+                <a:tabLst/>
+                <a:defRPr/>
+              </a:pPr>
+              <a:t>2</a:t>
+            </a:fld>
+            <a:endParaRPr kumimoji="0" lang="en-US" sz="1200" b="0" i="0" u="none" strike="noStrike" kern="1200" cap="none" spc="0" normalizeH="0" baseline="0" noProof="0">
+              <a:ln>
+                <a:noFill/>
+              </a:ln>
+              <a:solidFill>
+                <a:prstClr val="black"/>
+              </a:solidFill>
+              <a:effectLst/>
+              <a:uLnTx/>
+              <a:uFillTx/>
+              <a:latin typeface="Calibri" panose="020F0502020204030204"/>
+              <a:ea typeface="+mn-ea"/>
+              <a:cs typeface="+mn-cs"/>
+            </a:endParaRPr>
+          </a:p>
+        </p:txBody>
+      </p:sp>
+    </p:spTree>
+    <p:extLst>
+      <p:ext uri="{BB962C8B-B14F-4D97-AF65-F5344CB8AC3E}">
+        <p14:creationId xmlns:p14="http://schemas.microsoft.com/office/powerpoint/2010/main" val="1989103726"/>
+      </p:ext>
+    </p:extLst>
+  </p:cSld>
+  <p:clrMapOvr>
+    <a:masterClrMapping/>
+  </p:clrMapOvr>
+</p:notes>
+</file>
+
+<file path=ppt/notesSlides/notesSlide2.xml><?xml version="1.0" encoding="utf-8"?>
+<p:notes xmlns:a="http://schemas.openxmlformats.org/drawingml/2006/main" xmlns:r="http://schemas.openxmlformats.org/officeDocument/2006/relationships" xmlns:p="http://schemas.openxmlformats.org/presentationml/2006/main">
+  <p:cSld>
+    <p:spTree>
+      <p:nvGrpSpPr>
+        <p:cNvPr id="1" name=""/>
+        <p:cNvGrpSpPr/>
+        <p:nvPr/>
+      </p:nvGrpSpPr>
+      <p:grpSpPr>
+        <a:xfrm>
+          <a:off x="0" y="0"/>
+          <a:ext cx="0" cy="0"/>
+          <a:chOff x="0" y="0"/>
+          <a:chExt cx="0" cy="0"/>
+        </a:xfrm>
+      </p:grpSpPr>
+      <p:sp>
+        <p:nvSpPr>
+          <p:cNvPr id="2" name="Slide Image Placeholder 1"/>
+          <p:cNvSpPr>
+            <a:spLocks noGrp="1" noRot="1" noChangeAspect="1"/>
+          </p:cNvSpPr>
+          <p:nvPr>
+            <p:ph type="sldImg"/>
+          </p:nvPr>
+        </p:nvSpPr>
+        <p:spPr/>
+      </p:sp>
+      <p:sp>
+        <p:nvSpPr>
+          <p:cNvPr id="3" name="Notes Placeholder 2"/>
+          <p:cNvSpPr>
+            <a:spLocks noGrp="1"/>
+          </p:cNvSpPr>
+          <p:nvPr>
+            <p:ph type="body" idx="1"/>
+          </p:nvPr>
+        </p:nvSpPr>
+        <p:spPr/>
+        <p:txBody>
+          <a:bodyPr/>
+          <a:lstStyle/>
+          <a:p>
+            <a:pPr marL="0" marR="0" lvl="0" indent="0" algn="l" defTabSz="914400" rtl="0" eaLnBrk="1" fontAlgn="auto" latinLnBrk="0" hangingPunct="1">
+              <a:lnSpc>
+                <a:spcPct val="100000"/>
+              </a:lnSpc>
+              <a:spcBef>
+                <a:spcPts val="0"/>
+              </a:spcBef>
+              <a:spcAft>
+                <a:spcPts val="0"/>
+              </a:spcAft>
+              <a:buClrTx/>
+              <a:buSzTx/>
+              <a:buFontTx/>
+              <a:buNone/>
+              <a:tabLst/>
+              <a:defRPr/>
+            </a:pPr>
+            <a:endParaRPr lang="en-US" dirty="0"/>
+          </a:p>
+        </p:txBody>
+      </p:sp>
+      <p:sp>
+        <p:nvSpPr>
+          <p:cNvPr id="4" name="Slide Number Placeholder 3"/>
+          <p:cNvSpPr>
+            <a:spLocks noGrp="1"/>
+          </p:cNvSpPr>
+          <p:nvPr>
+            <p:ph type="sldNum" sz="quarter" idx="5"/>
+          </p:nvPr>
+        </p:nvSpPr>
+        <p:spPr/>
+        <p:txBody>
+          <a:bodyPr/>
+          <a:lstStyle/>
+          <a:p>
+            <a:pPr marL="0" marR="0" lvl="0" indent="0" algn="r" defTabSz="914400" rtl="0" eaLnBrk="1" fontAlgn="auto" latinLnBrk="0" hangingPunct="1">
+              <a:lnSpc>
+                <a:spcPct val="100000"/>
+              </a:lnSpc>
+              <a:spcBef>
+                <a:spcPts val="0"/>
+              </a:spcBef>
+              <a:spcAft>
+                <a:spcPts val="0"/>
+              </a:spcAft>
+              <a:buClrTx/>
+              <a:buSzTx/>
+              <a:buFontTx/>
+              <a:buNone/>
+              <a:tabLst/>
+              <a:defRPr/>
+            </a:pPr>
+            <a:fld id="{F14E7EBF-8FEE-4079-889B-EEE134D3083A}" type="slidenum">
+              <a:rPr kumimoji="0" lang="en-US" sz="1200" b="0" i="0" u="none" strike="noStrike" kern="1200" cap="none" spc="0" normalizeH="0" baseline="0" noProof="0" smtClean="0">
+                <a:ln>
+                  <a:noFill/>
+                </a:ln>
+                <a:solidFill>
+                  <a:prstClr val="black"/>
+                </a:solidFill>
+                <a:effectLst/>
+                <a:uLnTx/>
+                <a:uFillTx/>
+                <a:latin typeface="Calibri" panose="020F0502020204030204"/>
+                <a:ea typeface="+mn-ea"/>
+                <a:cs typeface="+mn-cs"/>
+              </a:rPr>
+              <a:pPr marL="0" marR="0" lvl="0" indent="0" algn="r" defTabSz="914400" rtl="0" eaLnBrk="1" fontAlgn="auto" latinLnBrk="0" hangingPunct="1">
+                <a:lnSpc>
+                  <a:spcPct val="100000"/>
+                </a:lnSpc>
+                <a:spcBef>
+                  <a:spcPts val="0"/>
+                </a:spcBef>
+                <a:spcAft>
+                  <a:spcPts val="0"/>
+                </a:spcAft>
+                <a:buClrTx/>
+                <a:buSzTx/>
+                <a:buFontTx/>
+                <a:buNone/>
+                <a:tabLst/>
+                <a:defRPr/>
+              </a:pPr>
+              <a:t>3</a:t>
+            </a:fld>
+            <a:endParaRPr kumimoji="0" lang="en-US" sz="1200" b="0" i="0" u="none" strike="noStrike" kern="1200" cap="none" spc="0" normalizeH="0" baseline="0" noProof="0">
+              <a:ln>
+                <a:noFill/>
+              </a:ln>
+              <a:solidFill>
+                <a:prstClr val="black"/>
+              </a:solidFill>
+              <a:effectLst/>
+              <a:uLnTx/>
+              <a:uFillTx/>
+              <a:latin typeface="Calibri" panose="020F0502020204030204"/>
+              <a:ea typeface="+mn-ea"/>
+              <a:cs typeface="+mn-cs"/>
+            </a:endParaRPr>
+          </a:p>
+        </p:txBody>
+      </p:sp>
+    </p:spTree>
+    <p:extLst>
+      <p:ext uri="{BB962C8B-B14F-4D97-AF65-F5344CB8AC3E}">
+        <p14:creationId xmlns:p14="http://schemas.microsoft.com/office/powerpoint/2010/main" val="458497798"/>
+      </p:ext>
+    </p:extLst>
+  </p:cSld>
+  <p:clrMapOvr>
+    <a:masterClrMapping/>
+  </p:clrMapOvr>
+</p:notes>
+</file>
+
+<file path=ppt/notesSlides/notesSlide3.xml><?xml version="1.0" encoding="utf-8"?>
+<p:notes xmlns:a="http://schemas.openxmlformats.org/drawingml/2006/main" xmlns:r="http://schemas.openxmlformats.org/officeDocument/2006/relationships" xmlns:p="http://schemas.openxmlformats.org/presentationml/2006/main">
+  <p:cSld>
+    <p:spTree>
+      <p:nvGrpSpPr>
+        <p:cNvPr id="1" name=""/>
+        <p:cNvGrpSpPr/>
+        <p:nvPr/>
+      </p:nvGrpSpPr>
+      <p:grpSpPr>
+        <a:xfrm>
+          <a:off x="0" y="0"/>
+          <a:ext cx="0" cy="0"/>
+          <a:chOff x="0" y="0"/>
+          <a:chExt cx="0" cy="0"/>
+        </a:xfrm>
+      </p:grpSpPr>
+      <p:sp>
+        <p:nvSpPr>
+          <p:cNvPr id="2" name="Slide Image Placeholder 1"/>
+          <p:cNvSpPr>
+            <a:spLocks noGrp="1" noRot="1" noChangeAspect="1"/>
+          </p:cNvSpPr>
+          <p:nvPr>
+            <p:ph type="sldImg"/>
+          </p:nvPr>
+        </p:nvSpPr>
+        <p:spPr/>
+      </p:sp>
+      <p:sp>
+        <p:nvSpPr>
+          <p:cNvPr id="3" name="Notes Placeholder 2"/>
+          <p:cNvSpPr>
+            <a:spLocks noGrp="1"/>
+          </p:cNvSpPr>
+          <p:nvPr>
+            <p:ph type="body" idx="1"/>
+          </p:nvPr>
+        </p:nvSpPr>
+        <p:spPr/>
+        <p:txBody>
+          <a:bodyPr/>
+          <a:lstStyle/>
+          <a:p>
+            <a:pPr marL="0" marR="0" lvl="0" indent="0" algn="l" defTabSz="914400" rtl="0" eaLnBrk="1" fontAlgn="auto" latinLnBrk="0" hangingPunct="1">
+              <a:lnSpc>
+                <a:spcPct val="100000"/>
+              </a:lnSpc>
+              <a:spcBef>
+                <a:spcPts val="0"/>
+              </a:spcBef>
+              <a:spcAft>
+                <a:spcPts val="0"/>
+              </a:spcAft>
+              <a:buClrTx/>
+              <a:buSzTx/>
+              <a:buFontTx/>
+              <a:buNone/>
+              <a:tabLst/>
+              <a:defRPr/>
+            </a:pPr>
+            <a:endParaRPr lang="en-US" dirty="0"/>
+          </a:p>
+        </p:txBody>
+      </p:sp>
+      <p:sp>
+        <p:nvSpPr>
+          <p:cNvPr id="4" name="Slide Number Placeholder 3"/>
+          <p:cNvSpPr>
+            <a:spLocks noGrp="1"/>
+          </p:cNvSpPr>
+          <p:nvPr>
+            <p:ph type="sldNum" sz="quarter" idx="5"/>
+          </p:nvPr>
+        </p:nvSpPr>
+        <p:spPr/>
+        <p:txBody>
+          <a:bodyPr/>
+          <a:lstStyle/>
+          <a:p>
+            <a:pPr marL="0" marR="0" lvl="0" indent="0" algn="r" defTabSz="914400" rtl="0" eaLnBrk="1" fontAlgn="auto" latinLnBrk="0" hangingPunct="1">
+              <a:lnSpc>
+                <a:spcPct val="100000"/>
+              </a:lnSpc>
+              <a:spcBef>
+                <a:spcPts val="0"/>
+              </a:spcBef>
+              <a:spcAft>
+                <a:spcPts val="0"/>
+              </a:spcAft>
+              <a:buClrTx/>
+              <a:buSzTx/>
+              <a:buFontTx/>
+              <a:buNone/>
+              <a:tabLst/>
+              <a:defRPr/>
+            </a:pPr>
+            <a:fld id="{F14E7EBF-8FEE-4079-889B-EEE134D3083A}" type="slidenum">
+              <a:rPr kumimoji="0" lang="en-US" sz="1200" b="0" i="0" u="none" strike="noStrike" kern="1200" cap="none" spc="0" normalizeH="0" baseline="0" noProof="0" smtClean="0">
+                <a:ln>
+                  <a:noFill/>
+                </a:ln>
+                <a:solidFill>
+                  <a:prstClr val="black"/>
+                </a:solidFill>
+                <a:effectLst/>
+                <a:uLnTx/>
+                <a:uFillTx/>
+                <a:latin typeface="Calibri" panose="020F0502020204030204"/>
+                <a:ea typeface="+mn-ea"/>
+                <a:cs typeface="+mn-cs"/>
+              </a:rPr>
+              <a:pPr marL="0" marR="0" lvl="0" indent="0" algn="r" defTabSz="914400" rtl="0" eaLnBrk="1" fontAlgn="auto" latinLnBrk="0" hangingPunct="1">
+                <a:lnSpc>
+                  <a:spcPct val="100000"/>
+                </a:lnSpc>
+                <a:spcBef>
+                  <a:spcPts val="0"/>
+                </a:spcBef>
+                <a:spcAft>
+                  <a:spcPts val="0"/>
+                </a:spcAft>
+                <a:buClrTx/>
+                <a:buSzTx/>
+                <a:buFontTx/>
+                <a:buNone/>
+                <a:tabLst/>
+                <a:defRPr/>
+              </a:pPr>
+              <a:t>4</a:t>
+            </a:fld>
+            <a:endParaRPr kumimoji="0" lang="en-US" sz="1200" b="0" i="0" u="none" strike="noStrike" kern="1200" cap="none" spc="0" normalizeH="0" baseline="0" noProof="0">
+              <a:ln>
+                <a:noFill/>
+              </a:ln>
+              <a:solidFill>
+                <a:prstClr val="black"/>
+              </a:solidFill>
+              <a:effectLst/>
+              <a:uLnTx/>
+              <a:uFillTx/>
+              <a:latin typeface="Calibri" panose="020F0502020204030204"/>
+              <a:ea typeface="+mn-ea"/>
+              <a:cs typeface="+mn-cs"/>
+            </a:endParaRPr>
+          </a:p>
+        </p:txBody>
+      </p:sp>
+    </p:spTree>
+    <p:extLst>
+      <p:ext uri="{BB962C8B-B14F-4D97-AF65-F5344CB8AC3E}">
+        <p14:creationId xmlns:p14="http://schemas.microsoft.com/office/powerpoint/2010/main" val="990504"/>
+      </p:ext>
+    </p:extLst>
+  </p:cSld>
+  <p:clrMapOvr>
+    <a:masterClrMapping/>
+  </p:clrMapOvr>
+</p:notes>
+</file>
+
+<file path=ppt/notesSlides/notesSlide4.xml><?xml version="1.0" encoding="utf-8"?>
+<p:notes xmlns:a="http://schemas.openxmlformats.org/drawingml/2006/main" xmlns:r="http://schemas.openxmlformats.org/officeDocument/2006/relationships" xmlns:p="http://schemas.openxmlformats.org/presentationml/2006/main">
+  <p:cSld>
+    <p:spTree>
+      <p:nvGrpSpPr>
+        <p:cNvPr id="1" name=""/>
+        <p:cNvGrpSpPr/>
+        <p:nvPr/>
+      </p:nvGrpSpPr>
+      <p:grpSpPr>
+        <a:xfrm>
+          <a:off x="0" y="0"/>
+          <a:ext cx="0" cy="0"/>
+          <a:chOff x="0" y="0"/>
+          <a:chExt cx="0" cy="0"/>
+        </a:xfrm>
+      </p:grpSpPr>
+      <p:sp>
+        <p:nvSpPr>
+          <p:cNvPr id="2" name="Slide Image Placeholder 1"/>
+          <p:cNvSpPr>
+            <a:spLocks noGrp="1" noRot="1" noChangeAspect="1"/>
+          </p:cNvSpPr>
+          <p:nvPr>
+            <p:ph type="sldImg"/>
+          </p:nvPr>
+        </p:nvSpPr>
+        <p:spPr/>
+      </p:sp>
+      <p:sp>
+        <p:nvSpPr>
+          <p:cNvPr id="3" name="Notes Placeholder 2"/>
+          <p:cNvSpPr>
+            <a:spLocks noGrp="1"/>
+          </p:cNvSpPr>
+          <p:nvPr>
+            <p:ph type="body" idx="1"/>
+          </p:nvPr>
+        </p:nvSpPr>
+        <p:spPr/>
+        <p:txBody>
+          <a:bodyPr/>
+          <a:lstStyle/>
+          <a:p>
             <a:endParaRPr lang="en-US" dirty="0"/>
           </a:p>
         </p:txBody>
@@ -3835,7 +4321,7 @@
           <a:p>
             <a:fld id="{E74353ED-ACB2-44BF-A903-985B0AF962B7}" type="datetime1">
               <a:rPr lang="en-US" smtClean="0"/>
-              <a:t>4/2/2022</a:t>
+              <a:t>4/17/2022</a:t>
             </a:fld>
             <a:endParaRPr lang="en-US" dirty="0"/>
           </a:p>
@@ -3859,7 +4345,7 @@
             <a:fld id="{B4008EB6-D09E-4580-8CD6-DDB14511944F}" type="slidenum">
               <a:rPr lang="en-US" smtClean="0"/>
               <a:pPr/>
-              <a:t>2</a:t>
+              <a:t>5</a:t>
             </a:fld>
             <a:endParaRPr lang="en-US" dirty="0"/>
           </a:p>
@@ -6411,6 +6897,204 @@
 </file>
 
 <file path=ppt/slideLayouts/slideLayout16.xml><?xml version="1.0" encoding="utf-8"?>
+<p:sldLayout xmlns:a="http://schemas.openxmlformats.org/drawingml/2006/main" xmlns:r="http://schemas.openxmlformats.org/officeDocument/2006/relationships" xmlns:p="http://schemas.openxmlformats.org/presentationml/2006/main" type="obj">
+  <p:cSld name="1_Title and Content">
+    <p:spTree>
+      <p:nvGrpSpPr>
+        <p:cNvPr id="1" name=""/>
+        <p:cNvGrpSpPr/>
+        <p:nvPr/>
+      </p:nvGrpSpPr>
+      <p:grpSpPr>
+        <a:xfrm>
+          <a:off x="0" y="0"/>
+          <a:ext cx="0" cy="0"/>
+          <a:chOff x="0" y="0"/>
+          <a:chExt cx="0" cy="0"/>
+        </a:xfrm>
+      </p:grpSpPr>
+      <p:sp>
+        <p:nvSpPr>
+          <p:cNvPr id="2" name="Title 1">
+            <a:extLst>
+              <a:ext uri="{FF2B5EF4-FFF2-40B4-BE49-F238E27FC236}">
+                <a16:creationId xmlns:a16="http://schemas.microsoft.com/office/drawing/2014/main" id="{CB6399F2-9FD3-8B4E-8048-995480BDB88F}"/>
+              </a:ext>
+            </a:extLst>
+          </p:cNvPr>
+          <p:cNvSpPr>
+            <a:spLocks noGrp="1"/>
+          </p:cNvSpPr>
+          <p:nvPr>
+            <p:ph type="title"/>
+          </p:nvPr>
+        </p:nvSpPr>
+        <p:spPr/>
+        <p:txBody>
+          <a:bodyPr/>
+          <a:lstStyle/>
+          <a:p>
+            <a:r>
+              <a:rPr lang="en-US"/>
+              <a:t>Click to edit Master title style</a:t>
+            </a:r>
+          </a:p>
+        </p:txBody>
+      </p:sp>
+      <p:sp>
+        <p:nvSpPr>
+          <p:cNvPr id="3" name="Content Placeholder 2">
+            <a:extLst>
+              <a:ext uri="{FF2B5EF4-FFF2-40B4-BE49-F238E27FC236}">
+                <a16:creationId xmlns:a16="http://schemas.microsoft.com/office/drawing/2014/main" id="{AAB54250-677E-6B4A-9CDF-D7632551AA79}"/>
+              </a:ext>
+            </a:extLst>
+          </p:cNvPr>
+          <p:cNvSpPr>
+            <a:spLocks noGrp="1"/>
+          </p:cNvSpPr>
+          <p:nvPr>
+            <p:ph idx="1"/>
+          </p:nvPr>
+        </p:nvSpPr>
+        <p:spPr/>
+        <p:txBody>
+          <a:bodyPr/>
+          <a:lstStyle/>
+          <a:p>
+            <a:pPr lvl="0"/>
+            <a:r>
+              <a:rPr lang="en-US"/>
+              <a:t>Click to edit Master text styles</a:t>
+            </a:r>
+          </a:p>
+          <a:p>
+            <a:pPr lvl="1"/>
+            <a:r>
+              <a:rPr lang="en-US"/>
+              <a:t>Second level</a:t>
+            </a:r>
+          </a:p>
+          <a:p>
+            <a:pPr lvl="2"/>
+            <a:r>
+              <a:rPr lang="en-US"/>
+              <a:t>Third level</a:t>
+            </a:r>
+          </a:p>
+          <a:p>
+            <a:pPr lvl="3"/>
+            <a:r>
+              <a:rPr lang="en-US"/>
+              <a:t>Fourth level</a:t>
+            </a:r>
+          </a:p>
+          <a:p>
+            <a:pPr lvl="4"/>
+            <a:r>
+              <a:rPr lang="en-US"/>
+              <a:t>Fifth level</a:t>
+            </a:r>
+          </a:p>
+        </p:txBody>
+      </p:sp>
+      <p:sp>
+        <p:nvSpPr>
+          <p:cNvPr id="4" name="Date Placeholder 3">
+            <a:extLst>
+              <a:ext uri="{FF2B5EF4-FFF2-40B4-BE49-F238E27FC236}">
+                <a16:creationId xmlns:a16="http://schemas.microsoft.com/office/drawing/2014/main" id="{C99FCBBF-D6D0-BC4D-AB0A-B11358ED6DBC}"/>
+              </a:ext>
+            </a:extLst>
+          </p:cNvPr>
+          <p:cNvSpPr>
+            <a:spLocks noGrp="1"/>
+          </p:cNvSpPr>
+          <p:nvPr>
+            <p:ph type="dt" sz="half" idx="10"/>
+          </p:nvPr>
+        </p:nvSpPr>
+        <p:spPr/>
+        <p:txBody>
+          <a:bodyPr/>
+          <a:lstStyle/>
+          <a:p>
+            <a:fld id="{0A627400-D089-7447-864B-77479EBD4214}" type="datetimeFigureOut">
+              <a:rPr lang="en-US" smtClean="0"/>
+              <a:t>4/17/2022</a:t>
+            </a:fld>
+            <a:endParaRPr lang="en-US"/>
+          </a:p>
+        </p:txBody>
+      </p:sp>
+      <p:sp>
+        <p:nvSpPr>
+          <p:cNvPr id="5" name="Footer Placeholder 4">
+            <a:extLst>
+              <a:ext uri="{FF2B5EF4-FFF2-40B4-BE49-F238E27FC236}">
+                <a16:creationId xmlns:a16="http://schemas.microsoft.com/office/drawing/2014/main" id="{DE3FDE89-536E-3147-B351-C6AFED60EC04}"/>
+              </a:ext>
+            </a:extLst>
+          </p:cNvPr>
+          <p:cNvSpPr>
+            <a:spLocks noGrp="1"/>
+          </p:cNvSpPr>
+          <p:nvPr>
+            <p:ph type="ftr" sz="quarter" idx="11"/>
+          </p:nvPr>
+        </p:nvSpPr>
+        <p:spPr/>
+        <p:txBody>
+          <a:bodyPr/>
+          <a:lstStyle/>
+          <a:p>
+            <a:endParaRPr lang="en-US"/>
+          </a:p>
+        </p:txBody>
+      </p:sp>
+      <p:sp>
+        <p:nvSpPr>
+          <p:cNvPr id="6" name="Slide Number Placeholder 5">
+            <a:extLst>
+              <a:ext uri="{FF2B5EF4-FFF2-40B4-BE49-F238E27FC236}">
+                <a16:creationId xmlns:a16="http://schemas.microsoft.com/office/drawing/2014/main" id="{6D5BF063-6C5B-EA48-8839-3A445E637FA8}"/>
+              </a:ext>
+            </a:extLst>
+          </p:cNvPr>
+          <p:cNvSpPr>
+            <a:spLocks noGrp="1"/>
+          </p:cNvSpPr>
+          <p:nvPr>
+            <p:ph type="sldNum" sz="quarter" idx="12"/>
+          </p:nvPr>
+        </p:nvSpPr>
+        <p:spPr/>
+        <p:txBody>
+          <a:bodyPr/>
+          <a:lstStyle/>
+          <a:p>
+            <a:fld id="{CDACE531-2FE7-1449-9EEA-A972806695F4}" type="slidenum">
+              <a:rPr lang="en-US" smtClean="0"/>
+              <a:t>‹#›</a:t>
+            </a:fld>
+            <a:endParaRPr lang="en-US"/>
+          </a:p>
+        </p:txBody>
+      </p:sp>
+    </p:spTree>
+    <p:extLst>
+      <p:ext uri="{BB962C8B-B14F-4D97-AF65-F5344CB8AC3E}">
+        <p14:creationId xmlns:p14="http://schemas.microsoft.com/office/powerpoint/2010/main" val="2662811588"/>
+      </p:ext>
+    </p:extLst>
+  </p:cSld>
+  <p:clrMapOvr>
+    <a:masterClrMapping/>
+  </p:clrMapOvr>
+</p:sldLayout>
+</file>
+
+<file path=ppt/slideLayouts/slideLayout17.xml><?xml version="1.0" encoding="utf-8"?>
 <p:sldLayout xmlns:a="http://schemas.openxmlformats.org/drawingml/2006/main" xmlns:r="http://schemas.openxmlformats.org/officeDocument/2006/relationships" xmlns:p="http://schemas.openxmlformats.org/presentationml/2006/main" type="title" preserve="1">
   <p:cSld name="Title Slide">
     <p:spTree>
@@ -6557,7 +7241,7 @@
           <a:p>
             <a:fld id="{0A627400-D089-7447-864B-77479EBD4214}" type="datetimeFigureOut">
               <a:rPr lang="en-US" smtClean="0"/>
-              <a:t>4/2/2022</a:t>
+              <a:t>4/17/2022</a:t>
             </a:fld>
             <a:endParaRPr lang="en-US"/>
           </a:p>
@@ -6630,7 +7314,7 @@
 </p:sldLayout>
 </file>
 
-<file path=ppt/slideLayouts/slideLayout17.xml><?xml version="1.0" encoding="utf-8"?>
+<file path=ppt/slideLayouts/slideLayout18.xml><?xml version="1.0" encoding="utf-8"?>
 <p:sldLayout xmlns:a="http://schemas.openxmlformats.org/drawingml/2006/main" xmlns:r="http://schemas.openxmlformats.org/officeDocument/2006/relationships" xmlns:p="http://schemas.openxmlformats.org/presentationml/2006/main" type="obj" preserve="1">
   <p:cSld name="Title and Content">
     <p:spTree>
@@ -6755,7 +7439,7 @@
           <a:p>
             <a:fld id="{0A627400-D089-7447-864B-77479EBD4214}" type="datetimeFigureOut">
               <a:rPr lang="en-US" smtClean="0"/>
-              <a:t>4/2/2022</a:t>
+              <a:t>4/17/2022</a:t>
             </a:fld>
             <a:endParaRPr lang="en-US"/>
           </a:p>
@@ -6828,7 +7512,7 @@
 </p:sldLayout>
 </file>
 
-<file path=ppt/slideLayouts/slideLayout18.xml><?xml version="1.0" encoding="utf-8"?>
+<file path=ppt/slideLayouts/slideLayout19.xml><?xml version="1.0" encoding="utf-8"?>
 <p:sldLayout xmlns:a="http://schemas.openxmlformats.org/drawingml/2006/main" xmlns:r="http://schemas.openxmlformats.org/officeDocument/2006/relationships" xmlns:p="http://schemas.openxmlformats.org/presentationml/2006/main" type="secHead" preserve="1">
   <p:cSld name="Section Header">
     <p:spTree>
@@ -7030,7 +7714,7 @@
           <a:p>
             <a:fld id="{0A627400-D089-7447-864B-77479EBD4214}" type="datetimeFigureOut">
               <a:rPr lang="en-US" smtClean="0"/>
-              <a:t>4/2/2022</a:t>
+              <a:t>4/17/2022</a:t>
             </a:fld>
             <a:endParaRPr lang="en-US"/>
           </a:p>
@@ -7094,271 +7778,6 @@
     <p:extLst>
       <p:ext uri="{BB962C8B-B14F-4D97-AF65-F5344CB8AC3E}">
         <p14:creationId xmlns:p14="http://schemas.microsoft.com/office/powerpoint/2010/main" val="4114149147"/>
-      </p:ext>
-    </p:extLst>
-  </p:cSld>
-  <p:clrMapOvr>
-    <a:masterClrMapping/>
-  </p:clrMapOvr>
-</p:sldLayout>
-</file>
-
-<file path=ppt/slideLayouts/slideLayout19.xml><?xml version="1.0" encoding="utf-8"?>
-<p:sldLayout xmlns:a="http://schemas.openxmlformats.org/drawingml/2006/main" xmlns:r="http://schemas.openxmlformats.org/officeDocument/2006/relationships" xmlns:p="http://schemas.openxmlformats.org/presentationml/2006/main" type="twoObj" preserve="1">
-  <p:cSld name="Two Content">
-    <p:spTree>
-      <p:nvGrpSpPr>
-        <p:cNvPr id="1" name=""/>
-        <p:cNvGrpSpPr/>
-        <p:nvPr/>
-      </p:nvGrpSpPr>
-      <p:grpSpPr>
-        <a:xfrm>
-          <a:off x="0" y="0"/>
-          <a:ext cx="0" cy="0"/>
-          <a:chOff x="0" y="0"/>
-          <a:chExt cx="0" cy="0"/>
-        </a:xfrm>
-      </p:grpSpPr>
-      <p:sp>
-        <p:nvSpPr>
-          <p:cNvPr id="2" name="Title 1">
-            <a:extLst>
-              <a:ext uri="{FF2B5EF4-FFF2-40B4-BE49-F238E27FC236}">
-                <a16:creationId xmlns:a16="http://schemas.microsoft.com/office/drawing/2014/main" id="{15860501-FEE8-4A43-A887-C778D57CCB0A}"/>
-              </a:ext>
-            </a:extLst>
-          </p:cNvPr>
-          <p:cNvSpPr>
-            <a:spLocks noGrp="1"/>
-          </p:cNvSpPr>
-          <p:nvPr>
-            <p:ph type="title"/>
-          </p:nvPr>
-        </p:nvSpPr>
-        <p:spPr/>
-        <p:txBody>
-          <a:bodyPr/>
-          <a:lstStyle/>
-          <a:p>
-            <a:r>
-              <a:rPr lang="en-US"/>
-              <a:t>Click to edit Master title style</a:t>
-            </a:r>
-          </a:p>
-        </p:txBody>
-      </p:sp>
-      <p:sp>
-        <p:nvSpPr>
-          <p:cNvPr id="3" name="Content Placeholder 2">
-            <a:extLst>
-              <a:ext uri="{FF2B5EF4-FFF2-40B4-BE49-F238E27FC236}">
-                <a16:creationId xmlns:a16="http://schemas.microsoft.com/office/drawing/2014/main" id="{4DDE4D5F-58EF-5047-BAEF-694F619DB35D}"/>
-              </a:ext>
-            </a:extLst>
-          </p:cNvPr>
-          <p:cNvSpPr>
-            <a:spLocks noGrp="1"/>
-          </p:cNvSpPr>
-          <p:nvPr>
-            <p:ph sz="half" idx="1"/>
-          </p:nvPr>
-        </p:nvSpPr>
-        <p:spPr>
-          <a:xfrm>
-            <a:off x="838200" y="1825625"/>
-            <a:ext cx="5181600" cy="4351339"/>
-          </a:xfrm>
-        </p:spPr>
-        <p:txBody>
-          <a:bodyPr/>
-          <a:lstStyle/>
-          <a:p>
-            <a:pPr lvl="0"/>
-            <a:r>
-              <a:rPr lang="en-US"/>
-              <a:t>Click to edit Master text styles</a:t>
-            </a:r>
-          </a:p>
-          <a:p>
-            <a:pPr lvl="1"/>
-            <a:r>
-              <a:rPr lang="en-US"/>
-              <a:t>Second level</a:t>
-            </a:r>
-          </a:p>
-          <a:p>
-            <a:pPr lvl="2"/>
-            <a:r>
-              <a:rPr lang="en-US"/>
-              <a:t>Third level</a:t>
-            </a:r>
-          </a:p>
-          <a:p>
-            <a:pPr lvl="3"/>
-            <a:r>
-              <a:rPr lang="en-US"/>
-              <a:t>Fourth level</a:t>
-            </a:r>
-          </a:p>
-          <a:p>
-            <a:pPr lvl="4"/>
-            <a:r>
-              <a:rPr lang="en-US"/>
-              <a:t>Fifth level</a:t>
-            </a:r>
-          </a:p>
-        </p:txBody>
-      </p:sp>
-      <p:sp>
-        <p:nvSpPr>
-          <p:cNvPr id="4" name="Content Placeholder 3">
-            <a:extLst>
-              <a:ext uri="{FF2B5EF4-FFF2-40B4-BE49-F238E27FC236}">
-                <a16:creationId xmlns:a16="http://schemas.microsoft.com/office/drawing/2014/main" id="{0BB60468-267F-1F45-AAA2-30AF13763E59}"/>
-              </a:ext>
-            </a:extLst>
-          </p:cNvPr>
-          <p:cNvSpPr>
-            <a:spLocks noGrp="1"/>
-          </p:cNvSpPr>
-          <p:nvPr>
-            <p:ph sz="half" idx="2"/>
-          </p:nvPr>
-        </p:nvSpPr>
-        <p:spPr>
-          <a:xfrm>
-            <a:off x="6172200" y="1825625"/>
-            <a:ext cx="5181600" cy="4351339"/>
-          </a:xfrm>
-        </p:spPr>
-        <p:txBody>
-          <a:bodyPr/>
-          <a:lstStyle/>
-          <a:p>
-            <a:pPr lvl="0"/>
-            <a:r>
-              <a:rPr lang="en-US"/>
-              <a:t>Click to edit Master text styles</a:t>
-            </a:r>
-          </a:p>
-          <a:p>
-            <a:pPr lvl="1"/>
-            <a:r>
-              <a:rPr lang="en-US"/>
-              <a:t>Second level</a:t>
-            </a:r>
-          </a:p>
-          <a:p>
-            <a:pPr lvl="2"/>
-            <a:r>
-              <a:rPr lang="en-US"/>
-              <a:t>Third level</a:t>
-            </a:r>
-          </a:p>
-          <a:p>
-            <a:pPr lvl="3"/>
-            <a:r>
-              <a:rPr lang="en-US"/>
-              <a:t>Fourth level</a:t>
-            </a:r>
-          </a:p>
-          <a:p>
-            <a:pPr lvl="4"/>
-            <a:r>
-              <a:rPr lang="en-US"/>
-              <a:t>Fifth level</a:t>
-            </a:r>
-          </a:p>
-        </p:txBody>
-      </p:sp>
-      <p:sp>
-        <p:nvSpPr>
-          <p:cNvPr id="5" name="Date Placeholder 4">
-            <a:extLst>
-              <a:ext uri="{FF2B5EF4-FFF2-40B4-BE49-F238E27FC236}">
-                <a16:creationId xmlns:a16="http://schemas.microsoft.com/office/drawing/2014/main" id="{31138E6A-F55F-9B41-BB5F-C47771404DD5}"/>
-              </a:ext>
-            </a:extLst>
-          </p:cNvPr>
-          <p:cNvSpPr>
-            <a:spLocks noGrp="1"/>
-          </p:cNvSpPr>
-          <p:nvPr>
-            <p:ph type="dt" sz="half" idx="10"/>
-          </p:nvPr>
-        </p:nvSpPr>
-        <p:spPr/>
-        <p:txBody>
-          <a:bodyPr/>
-          <a:lstStyle/>
-          <a:p>
-            <a:fld id="{0A627400-D089-7447-864B-77479EBD4214}" type="datetimeFigureOut">
-              <a:rPr lang="en-US" smtClean="0"/>
-              <a:t>4/2/2022</a:t>
-            </a:fld>
-            <a:endParaRPr lang="en-US"/>
-          </a:p>
-        </p:txBody>
-      </p:sp>
-      <p:sp>
-        <p:nvSpPr>
-          <p:cNvPr id="6" name="Footer Placeholder 5">
-            <a:extLst>
-              <a:ext uri="{FF2B5EF4-FFF2-40B4-BE49-F238E27FC236}">
-                <a16:creationId xmlns:a16="http://schemas.microsoft.com/office/drawing/2014/main" id="{7392FE18-73E8-D64A-AB50-97C717CC840D}"/>
-              </a:ext>
-            </a:extLst>
-          </p:cNvPr>
-          <p:cNvSpPr>
-            <a:spLocks noGrp="1"/>
-          </p:cNvSpPr>
-          <p:nvPr>
-            <p:ph type="ftr" sz="quarter" idx="11"/>
-          </p:nvPr>
-        </p:nvSpPr>
-        <p:spPr/>
-        <p:txBody>
-          <a:bodyPr/>
-          <a:lstStyle/>
-          <a:p>
-            <a:endParaRPr lang="en-US"/>
-          </a:p>
-        </p:txBody>
-      </p:sp>
-      <p:sp>
-        <p:nvSpPr>
-          <p:cNvPr id="7" name="Slide Number Placeholder 6">
-            <a:extLst>
-              <a:ext uri="{FF2B5EF4-FFF2-40B4-BE49-F238E27FC236}">
-                <a16:creationId xmlns:a16="http://schemas.microsoft.com/office/drawing/2014/main" id="{331D3D61-E3AB-0747-BB3D-CFD3451A5BAB}"/>
-              </a:ext>
-            </a:extLst>
-          </p:cNvPr>
-          <p:cNvSpPr>
-            <a:spLocks noGrp="1"/>
-          </p:cNvSpPr>
-          <p:nvPr>
-            <p:ph type="sldNum" sz="quarter" idx="12"/>
-          </p:nvPr>
-        </p:nvSpPr>
-        <p:spPr/>
-        <p:txBody>
-          <a:bodyPr/>
-          <a:lstStyle/>
-          <a:p>
-            <a:fld id="{CDACE531-2FE7-1449-9EEA-A972806695F4}" type="slidenum">
-              <a:rPr lang="en-US" smtClean="0"/>
-              <a:t>‹#›</a:t>
-            </a:fld>
-            <a:endParaRPr lang="en-US"/>
-          </a:p>
-        </p:txBody>
-      </p:sp>
-    </p:spTree>
-    <p:extLst>
-      <p:ext uri="{BB962C8B-B14F-4D97-AF65-F5344CB8AC3E}">
-        <p14:creationId xmlns:p14="http://schemas.microsoft.com/office/powerpoint/2010/main" val="1570648668"/>
       </p:ext>
     </p:extLst>
   </p:cSld>
@@ -7569,6 +7988,271 @@
 </file>
 
 <file path=ppt/slideLayouts/slideLayout20.xml><?xml version="1.0" encoding="utf-8"?>
+<p:sldLayout xmlns:a="http://schemas.openxmlformats.org/drawingml/2006/main" xmlns:r="http://schemas.openxmlformats.org/officeDocument/2006/relationships" xmlns:p="http://schemas.openxmlformats.org/presentationml/2006/main" type="twoObj" preserve="1">
+  <p:cSld name="Two Content">
+    <p:spTree>
+      <p:nvGrpSpPr>
+        <p:cNvPr id="1" name=""/>
+        <p:cNvGrpSpPr/>
+        <p:nvPr/>
+      </p:nvGrpSpPr>
+      <p:grpSpPr>
+        <a:xfrm>
+          <a:off x="0" y="0"/>
+          <a:ext cx="0" cy="0"/>
+          <a:chOff x="0" y="0"/>
+          <a:chExt cx="0" cy="0"/>
+        </a:xfrm>
+      </p:grpSpPr>
+      <p:sp>
+        <p:nvSpPr>
+          <p:cNvPr id="2" name="Title 1">
+            <a:extLst>
+              <a:ext uri="{FF2B5EF4-FFF2-40B4-BE49-F238E27FC236}">
+                <a16:creationId xmlns:a16="http://schemas.microsoft.com/office/drawing/2014/main" id="{15860501-FEE8-4A43-A887-C778D57CCB0A}"/>
+              </a:ext>
+            </a:extLst>
+          </p:cNvPr>
+          <p:cNvSpPr>
+            <a:spLocks noGrp="1"/>
+          </p:cNvSpPr>
+          <p:nvPr>
+            <p:ph type="title"/>
+          </p:nvPr>
+        </p:nvSpPr>
+        <p:spPr/>
+        <p:txBody>
+          <a:bodyPr/>
+          <a:lstStyle/>
+          <a:p>
+            <a:r>
+              <a:rPr lang="en-US"/>
+              <a:t>Click to edit Master title style</a:t>
+            </a:r>
+          </a:p>
+        </p:txBody>
+      </p:sp>
+      <p:sp>
+        <p:nvSpPr>
+          <p:cNvPr id="3" name="Content Placeholder 2">
+            <a:extLst>
+              <a:ext uri="{FF2B5EF4-FFF2-40B4-BE49-F238E27FC236}">
+                <a16:creationId xmlns:a16="http://schemas.microsoft.com/office/drawing/2014/main" id="{4DDE4D5F-58EF-5047-BAEF-694F619DB35D}"/>
+              </a:ext>
+            </a:extLst>
+          </p:cNvPr>
+          <p:cNvSpPr>
+            <a:spLocks noGrp="1"/>
+          </p:cNvSpPr>
+          <p:nvPr>
+            <p:ph sz="half" idx="1"/>
+          </p:nvPr>
+        </p:nvSpPr>
+        <p:spPr>
+          <a:xfrm>
+            <a:off x="838200" y="1825625"/>
+            <a:ext cx="5181600" cy="4351339"/>
+          </a:xfrm>
+        </p:spPr>
+        <p:txBody>
+          <a:bodyPr/>
+          <a:lstStyle/>
+          <a:p>
+            <a:pPr lvl="0"/>
+            <a:r>
+              <a:rPr lang="en-US"/>
+              <a:t>Click to edit Master text styles</a:t>
+            </a:r>
+          </a:p>
+          <a:p>
+            <a:pPr lvl="1"/>
+            <a:r>
+              <a:rPr lang="en-US"/>
+              <a:t>Second level</a:t>
+            </a:r>
+          </a:p>
+          <a:p>
+            <a:pPr lvl="2"/>
+            <a:r>
+              <a:rPr lang="en-US"/>
+              <a:t>Third level</a:t>
+            </a:r>
+          </a:p>
+          <a:p>
+            <a:pPr lvl="3"/>
+            <a:r>
+              <a:rPr lang="en-US"/>
+              <a:t>Fourth level</a:t>
+            </a:r>
+          </a:p>
+          <a:p>
+            <a:pPr lvl="4"/>
+            <a:r>
+              <a:rPr lang="en-US"/>
+              <a:t>Fifth level</a:t>
+            </a:r>
+          </a:p>
+        </p:txBody>
+      </p:sp>
+      <p:sp>
+        <p:nvSpPr>
+          <p:cNvPr id="4" name="Content Placeholder 3">
+            <a:extLst>
+              <a:ext uri="{FF2B5EF4-FFF2-40B4-BE49-F238E27FC236}">
+                <a16:creationId xmlns:a16="http://schemas.microsoft.com/office/drawing/2014/main" id="{0BB60468-267F-1F45-AAA2-30AF13763E59}"/>
+              </a:ext>
+            </a:extLst>
+          </p:cNvPr>
+          <p:cNvSpPr>
+            <a:spLocks noGrp="1"/>
+          </p:cNvSpPr>
+          <p:nvPr>
+            <p:ph sz="half" idx="2"/>
+          </p:nvPr>
+        </p:nvSpPr>
+        <p:spPr>
+          <a:xfrm>
+            <a:off x="6172200" y="1825625"/>
+            <a:ext cx="5181600" cy="4351339"/>
+          </a:xfrm>
+        </p:spPr>
+        <p:txBody>
+          <a:bodyPr/>
+          <a:lstStyle/>
+          <a:p>
+            <a:pPr lvl="0"/>
+            <a:r>
+              <a:rPr lang="en-US"/>
+              <a:t>Click to edit Master text styles</a:t>
+            </a:r>
+          </a:p>
+          <a:p>
+            <a:pPr lvl="1"/>
+            <a:r>
+              <a:rPr lang="en-US"/>
+              <a:t>Second level</a:t>
+            </a:r>
+          </a:p>
+          <a:p>
+            <a:pPr lvl="2"/>
+            <a:r>
+              <a:rPr lang="en-US"/>
+              <a:t>Third level</a:t>
+            </a:r>
+          </a:p>
+          <a:p>
+            <a:pPr lvl="3"/>
+            <a:r>
+              <a:rPr lang="en-US"/>
+              <a:t>Fourth level</a:t>
+            </a:r>
+          </a:p>
+          <a:p>
+            <a:pPr lvl="4"/>
+            <a:r>
+              <a:rPr lang="en-US"/>
+              <a:t>Fifth level</a:t>
+            </a:r>
+          </a:p>
+        </p:txBody>
+      </p:sp>
+      <p:sp>
+        <p:nvSpPr>
+          <p:cNvPr id="5" name="Date Placeholder 4">
+            <a:extLst>
+              <a:ext uri="{FF2B5EF4-FFF2-40B4-BE49-F238E27FC236}">
+                <a16:creationId xmlns:a16="http://schemas.microsoft.com/office/drawing/2014/main" id="{31138E6A-F55F-9B41-BB5F-C47771404DD5}"/>
+              </a:ext>
+            </a:extLst>
+          </p:cNvPr>
+          <p:cNvSpPr>
+            <a:spLocks noGrp="1"/>
+          </p:cNvSpPr>
+          <p:nvPr>
+            <p:ph type="dt" sz="half" idx="10"/>
+          </p:nvPr>
+        </p:nvSpPr>
+        <p:spPr/>
+        <p:txBody>
+          <a:bodyPr/>
+          <a:lstStyle/>
+          <a:p>
+            <a:fld id="{0A627400-D089-7447-864B-77479EBD4214}" type="datetimeFigureOut">
+              <a:rPr lang="en-US" smtClean="0"/>
+              <a:t>4/17/2022</a:t>
+            </a:fld>
+            <a:endParaRPr lang="en-US"/>
+          </a:p>
+        </p:txBody>
+      </p:sp>
+      <p:sp>
+        <p:nvSpPr>
+          <p:cNvPr id="6" name="Footer Placeholder 5">
+            <a:extLst>
+              <a:ext uri="{FF2B5EF4-FFF2-40B4-BE49-F238E27FC236}">
+                <a16:creationId xmlns:a16="http://schemas.microsoft.com/office/drawing/2014/main" id="{7392FE18-73E8-D64A-AB50-97C717CC840D}"/>
+              </a:ext>
+            </a:extLst>
+          </p:cNvPr>
+          <p:cNvSpPr>
+            <a:spLocks noGrp="1"/>
+          </p:cNvSpPr>
+          <p:nvPr>
+            <p:ph type="ftr" sz="quarter" idx="11"/>
+          </p:nvPr>
+        </p:nvSpPr>
+        <p:spPr/>
+        <p:txBody>
+          <a:bodyPr/>
+          <a:lstStyle/>
+          <a:p>
+            <a:endParaRPr lang="en-US"/>
+          </a:p>
+        </p:txBody>
+      </p:sp>
+      <p:sp>
+        <p:nvSpPr>
+          <p:cNvPr id="7" name="Slide Number Placeholder 6">
+            <a:extLst>
+              <a:ext uri="{FF2B5EF4-FFF2-40B4-BE49-F238E27FC236}">
+                <a16:creationId xmlns:a16="http://schemas.microsoft.com/office/drawing/2014/main" id="{331D3D61-E3AB-0747-BB3D-CFD3451A5BAB}"/>
+              </a:ext>
+            </a:extLst>
+          </p:cNvPr>
+          <p:cNvSpPr>
+            <a:spLocks noGrp="1"/>
+          </p:cNvSpPr>
+          <p:nvPr>
+            <p:ph type="sldNum" sz="quarter" idx="12"/>
+          </p:nvPr>
+        </p:nvSpPr>
+        <p:spPr/>
+        <p:txBody>
+          <a:bodyPr/>
+          <a:lstStyle/>
+          <a:p>
+            <a:fld id="{CDACE531-2FE7-1449-9EEA-A972806695F4}" type="slidenum">
+              <a:rPr lang="en-US" smtClean="0"/>
+              <a:t>‹#›</a:t>
+            </a:fld>
+            <a:endParaRPr lang="en-US"/>
+          </a:p>
+        </p:txBody>
+      </p:sp>
+    </p:spTree>
+    <p:extLst>
+      <p:ext uri="{BB962C8B-B14F-4D97-AF65-F5344CB8AC3E}">
+        <p14:creationId xmlns:p14="http://schemas.microsoft.com/office/powerpoint/2010/main" val="1570648668"/>
+      </p:ext>
+    </p:extLst>
+  </p:cSld>
+  <p:clrMapOvr>
+    <a:masterClrMapping/>
+  </p:clrMapOvr>
+</p:sldLayout>
+</file>
+
+<file path=ppt/slideLayouts/slideLayout21.xml><?xml version="1.0" encoding="utf-8"?>
 <p:sldLayout xmlns:a="http://schemas.openxmlformats.org/drawingml/2006/main" xmlns:r="http://schemas.openxmlformats.org/officeDocument/2006/relationships" xmlns:p="http://schemas.openxmlformats.org/presentationml/2006/main" type="twoTxTwoObj" preserve="1">
   <p:cSld name="Comparison">
     <p:spTree>
@@ -7907,7 +8591,7 @@
           <a:p>
             <a:fld id="{0A627400-D089-7447-864B-77479EBD4214}" type="datetimeFigureOut">
               <a:rPr lang="en-US" smtClean="0"/>
-              <a:t>4/2/2022</a:t>
+              <a:t>4/17/2022</a:t>
             </a:fld>
             <a:endParaRPr lang="en-US"/>
           </a:p>
@@ -7980,7 +8664,7 @@
 </p:sldLayout>
 </file>
 
-<file path=ppt/slideLayouts/slideLayout21.xml><?xml version="1.0" encoding="utf-8"?>
+<file path=ppt/slideLayouts/slideLayout22.xml><?xml version="1.0" encoding="utf-8"?>
 <p:sldLayout xmlns:a="http://schemas.openxmlformats.org/drawingml/2006/main" xmlns:r="http://schemas.openxmlformats.org/officeDocument/2006/relationships" xmlns:p="http://schemas.openxmlformats.org/presentationml/2006/main" type="obj" preserve="1">
   <p:cSld name="Code Sample">
     <p:spTree>
@@ -8113,7 +8797,7 @@
           <a:p>
             <a:fld id="{0A627400-D089-7447-864B-77479EBD4214}" type="datetimeFigureOut">
               <a:rPr lang="en-US" smtClean="0"/>
-              <a:t>4/2/2022</a:t>
+              <a:t>4/17/2022</a:t>
             </a:fld>
             <a:endParaRPr lang="en-US"/>
           </a:p>
@@ -8186,7 +8870,7 @@
 </p:sldLayout>
 </file>
 
-<file path=ppt/slideLayouts/slideLayout22.xml><?xml version="1.0" encoding="utf-8"?>
+<file path=ppt/slideLayouts/slideLayout23.xml><?xml version="1.0" encoding="utf-8"?>
 <p:sldLayout xmlns:a="http://schemas.openxmlformats.org/drawingml/2006/main" xmlns:r="http://schemas.openxmlformats.org/officeDocument/2006/relationships" xmlns:p="http://schemas.openxmlformats.org/presentationml/2006/main" preserve="1" userDrawn="1">
   <p:cSld name="Progress">
     <p:spTree>
@@ -8255,7 +8939,7 @@
             <a:fld id="{0A627400-D089-7447-864B-77479EBD4214}" type="datetimeFigureOut">
               <a:rPr lang="en-US" smtClean="0"/>
               <a:pPr/>
-              <a:t>4/2/2022</a:t>
+              <a:t>4/17/2022</a:t>
             </a:fld>
             <a:endParaRPr lang="en-US"/>
           </a:p>
@@ -8351,7 +9035,7 @@
 </p:sldLayout>
 </file>
 
-<file path=ppt/slideLayouts/slideLayout23.xml><?xml version="1.0" encoding="utf-8"?>
+<file path=ppt/slideLayouts/slideLayout24.xml><?xml version="1.0" encoding="utf-8"?>
 <p:sldLayout xmlns:a="http://schemas.openxmlformats.org/drawingml/2006/main" xmlns:r="http://schemas.openxmlformats.org/officeDocument/2006/relationships" xmlns:p="http://schemas.openxmlformats.org/presentationml/2006/main" type="titleOnly" preserve="1">
   <p:cSld name="Title Only">
     <p:spTree>
@@ -8419,7 +9103,7 @@
           <a:p>
             <a:fld id="{0A627400-D089-7447-864B-77479EBD4214}" type="datetimeFigureOut">
               <a:rPr lang="en-US" smtClean="0"/>
-              <a:t>4/2/2022</a:t>
+              <a:t>4/17/2022</a:t>
             </a:fld>
             <a:endParaRPr lang="en-US"/>
           </a:p>
@@ -8492,7 +9176,7 @@
 </p:sldLayout>
 </file>
 
-<file path=ppt/slideLayouts/slideLayout24.xml><?xml version="1.0" encoding="utf-8"?>
+<file path=ppt/slideLayouts/slideLayout25.xml><?xml version="1.0" encoding="utf-8"?>
 <p:sldLayout xmlns:a="http://schemas.openxmlformats.org/drawingml/2006/main" xmlns:r="http://schemas.openxmlformats.org/officeDocument/2006/relationships" xmlns:p="http://schemas.openxmlformats.org/presentationml/2006/main" type="blank" preserve="1">
   <p:cSld name="Blank">
     <p:spTree>
@@ -8532,7 +9216,7 @@
           <a:p>
             <a:fld id="{0A627400-D089-7447-864B-77479EBD4214}" type="datetimeFigureOut">
               <a:rPr lang="en-US" smtClean="0"/>
-              <a:t>4/2/2022</a:t>
+              <a:t>4/17/2022</a:t>
             </a:fld>
             <a:endParaRPr lang="en-US"/>
           </a:p>
@@ -8605,7 +9289,7 @@
 </p:sldLayout>
 </file>
 
-<file path=ppt/slideLayouts/slideLayout25.xml><?xml version="1.0" encoding="utf-8"?>
+<file path=ppt/slideLayouts/slideLayout26.xml><?xml version="1.0" encoding="utf-8"?>
 <p:sldLayout xmlns:a="http://schemas.openxmlformats.org/drawingml/2006/main" xmlns:r="http://schemas.openxmlformats.org/officeDocument/2006/relationships" xmlns:p="http://schemas.openxmlformats.org/presentationml/2006/main" type="objTx" preserve="1">
   <p:cSld name="Content with Caption">
     <p:spTree>
@@ -8843,7 +9527,7 @@
           <a:p>
             <a:fld id="{0A627400-D089-7447-864B-77479EBD4214}" type="datetimeFigureOut">
               <a:rPr lang="en-US" smtClean="0"/>
-              <a:t>4/2/2022</a:t>
+              <a:t>4/17/2022</a:t>
             </a:fld>
             <a:endParaRPr lang="en-US"/>
           </a:p>
@@ -8916,7 +9600,7 @@
 </p:sldLayout>
 </file>
 
-<file path=ppt/slideLayouts/slideLayout26.xml><?xml version="1.0" encoding="utf-8"?>
+<file path=ppt/slideLayouts/slideLayout27.xml><?xml version="1.0" encoding="utf-8"?>
 <p:sldLayout xmlns:a="http://schemas.openxmlformats.org/drawingml/2006/main" xmlns:r="http://schemas.openxmlformats.org/officeDocument/2006/relationships" xmlns:p="http://schemas.openxmlformats.org/presentationml/2006/main" type="picTx" preserve="1">
   <p:cSld name="Picture with Caption">
     <p:spTree>
@@ -9131,7 +9815,7 @@
           <a:p>
             <a:fld id="{0A627400-D089-7447-864B-77479EBD4214}" type="datetimeFigureOut">
               <a:rPr lang="en-US" smtClean="0"/>
-              <a:t>4/2/2022</a:t>
+              <a:t>4/17/2022</a:t>
             </a:fld>
             <a:endParaRPr lang="en-US"/>
           </a:p>
@@ -9204,7 +9888,7 @@
 </p:sldLayout>
 </file>
 
-<file path=ppt/slideLayouts/slideLayout27.xml><?xml version="1.0" encoding="utf-8"?>
+<file path=ppt/slideLayouts/slideLayout28.xml><?xml version="1.0" encoding="utf-8"?>
 <p:sldLayout xmlns:a="http://schemas.openxmlformats.org/drawingml/2006/main" xmlns:r="http://schemas.openxmlformats.org/officeDocument/2006/relationships" xmlns:p="http://schemas.openxmlformats.org/presentationml/2006/main" userDrawn="1">
   <p:cSld name="White Background">
     <p:spTree>
@@ -9337,7 +10021,7 @@
 </p:sldLayout>
 </file>
 
-<file path=ppt/slideLayouts/slideLayout28.xml><?xml version="1.0" encoding="utf-8"?>
+<file path=ppt/slideLayouts/slideLayout29.xml><?xml version="1.0" encoding="utf-8"?>
 <p:sldLayout xmlns:a="http://schemas.openxmlformats.org/drawingml/2006/main" xmlns:r="http://schemas.openxmlformats.org/officeDocument/2006/relationships" xmlns:p="http://schemas.openxmlformats.org/presentationml/2006/main" preserve="1" userDrawn="1">
   <p:cSld name="Blank Layout">
     <p:spTree>
@@ -10678,7 +11362,7 @@
           <p:nvPr userDrawn="1"/>
         </p:nvPicPr>
         <p:blipFill>
-          <a:blip r:embed="rId17"/>
+          <a:blip r:embed="rId18"/>
           <a:stretch>
             <a:fillRect/>
           </a:stretch>
@@ -10717,6 +11401,7 @@
     <p:sldLayoutId id="2147483676" r:id="rId13"/>
     <p:sldLayoutId id="2147483678" r:id="rId14"/>
     <p:sldLayoutId id="2147483679" r:id="rId15"/>
+    <p:sldLayoutId id="2147483809" r:id="rId16"/>
   </p:sldLayoutIdLst>
   <p:transition>
     <p:fade/>
@@ -11383,7 +12068,7 @@
             <a:fld id="{0A627400-D089-7447-864B-77479EBD4214}" type="datetimeFigureOut">
               <a:rPr lang="en-US" smtClean="0"/>
               <a:pPr/>
-              <a:t>4/2/2022</a:t>
+              <a:t>4/17/2022</a:t>
             </a:fld>
             <a:endParaRPr lang="en-US"/>
           </a:p>
@@ -12120,6 +12805,2613 @@
 </file>
 
 <file path=ppt/slides/slide2.xml><?xml version="1.0" encoding="utf-8"?>
+<p:sld xmlns:a="http://schemas.openxmlformats.org/drawingml/2006/main" xmlns:r="http://schemas.openxmlformats.org/officeDocument/2006/relationships" xmlns:p="http://schemas.openxmlformats.org/presentationml/2006/main">
+  <p:cSld>
+    <p:spTree>
+      <p:nvGrpSpPr>
+        <p:cNvPr id="1" name=""/>
+        <p:cNvGrpSpPr/>
+        <p:nvPr/>
+      </p:nvGrpSpPr>
+      <p:grpSpPr>
+        <a:xfrm>
+          <a:off x="0" y="0"/>
+          <a:ext cx="0" cy="0"/>
+          <a:chOff x="0" y="0"/>
+          <a:chExt cx="0" cy="0"/>
+        </a:xfrm>
+      </p:grpSpPr>
+      <p:sp>
+        <p:nvSpPr>
+          <p:cNvPr id="11" name="TextBox 10">
+            <a:extLst>
+              <a:ext uri="{FF2B5EF4-FFF2-40B4-BE49-F238E27FC236}">
+                <a16:creationId xmlns:a16="http://schemas.microsoft.com/office/drawing/2014/main" id="{C0E7814F-772A-488B-9829-94D3C5B349DF}"/>
+              </a:ext>
+            </a:extLst>
+          </p:cNvPr>
+          <p:cNvSpPr txBox="1"/>
+          <p:nvPr/>
+        </p:nvSpPr>
+        <p:spPr>
+          <a:xfrm>
+            <a:off x="269240" y="1257641"/>
+            <a:ext cx="11655840" cy="707886"/>
+          </a:xfrm>
+          <a:prstGeom prst="rect">
+            <a:avLst/>
+          </a:prstGeom>
+          <a:noFill/>
+        </p:spPr>
+        <p:txBody>
+          <a:bodyPr wrap="square">
+            <a:spAutoFit/>
+          </a:bodyPr>
+          <a:lstStyle/>
+          <a:p>
+            <a:pPr marL="0" marR="0" lvl="0" indent="0" algn="l" defTabSz="914400" rtl="0" eaLnBrk="1" fontAlgn="auto" latinLnBrk="0" hangingPunct="1">
+              <a:lnSpc>
+                <a:spcPct val="100000"/>
+              </a:lnSpc>
+              <a:spcBef>
+                <a:spcPts val="0"/>
+              </a:spcBef>
+              <a:spcAft>
+                <a:spcPts val="0"/>
+              </a:spcAft>
+              <a:buClrTx/>
+              <a:buSzTx/>
+              <a:buFontTx/>
+              <a:buNone/>
+              <a:tabLst/>
+              <a:defRPr/>
+            </a:pPr>
+            <a:r>
+              <a:rPr lang="es-ES" sz="2000" dirty="0">
+                <a:latin typeface="Open Sans" panose="020B0606030504020204" pitchFamily="34" charset="0"/>
+                <a:ea typeface="Open Sans" panose="020B0606030504020204" pitchFamily="34" charset="0"/>
+                <a:cs typeface="Open Sans" panose="020B0606030504020204" pitchFamily="34" charset="0"/>
+              </a:rPr>
+              <a:t>El primer error más común es obtener errores de compilación al no encontrar la versión de .NET 6 adecuada.</a:t>
+            </a:r>
+          </a:p>
+        </p:txBody>
+      </p:sp>
+      <p:sp>
+        <p:nvSpPr>
+          <p:cNvPr id="6" name="Title 5">
+            <a:extLst>
+              <a:ext uri="{FF2B5EF4-FFF2-40B4-BE49-F238E27FC236}">
+                <a16:creationId xmlns:a16="http://schemas.microsoft.com/office/drawing/2014/main" id="{7C376708-27FB-47AF-ABE1-2D622AC8ED83}"/>
+              </a:ext>
+            </a:extLst>
+          </p:cNvPr>
+          <p:cNvSpPr>
+            <a:spLocks noGrp="1"/>
+          </p:cNvSpPr>
+          <p:nvPr>
+            <p:ph type="title"/>
+          </p:nvPr>
+        </p:nvSpPr>
+        <p:spPr/>
+        <p:txBody>
+          <a:bodyPr>
+            <a:normAutofit/>
+          </a:bodyPr>
+          <a:lstStyle/>
+          <a:p>
+            <a:r>
+              <a:rPr lang="es-ES" sz="3600" dirty="0"/>
+              <a:t>Problemas más comunes</a:t>
+            </a:r>
+            <a:endParaRPr lang="en-US" sz="3600" dirty="0"/>
+          </a:p>
+        </p:txBody>
+      </p:sp>
+      <p:sp>
+        <p:nvSpPr>
+          <p:cNvPr id="27" name="TextBox 26">
+            <a:extLst>
+              <a:ext uri="{FF2B5EF4-FFF2-40B4-BE49-F238E27FC236}">
+                <a16:creationId xmlns:a16="http://schemas.microsoft.com/office/drawing/2014/main" id="{E6899861-F3C8-435F-842F-0D4F0330DE36}"/>
+              </a:ext>
+            </a:extLst>
+          </p:cNvPr>
+          <p:cNvSpPr txBox="1"/>
+          <p:nvPr/>
+        </p:nvSpPr>
+        <p:spPr>
+          <a:xfrm>
+            <a:off x="1761461" y="6271276"/>
+            <a:ext cx="8669078" cy="221599"/>
+          </a:xfrm>
+          <a:prstGeom prst="rect">
+            <a:avLst/>
+          </a:prstGeom>
+          <a:noFill/>
+        </p:spPr>
+        <p:txBody>
+          <a:bodyPr wrap="square" lIns="0" tIns="0" rIns="0" bIns="0" rtlCol="0">
+            <a:spAutoFit/>
+          </a:bodyPr>
+          <a:lstStyle/>
+          <a:p>
+            <a:pPr lvl="0" algn="ctr">
+              <a:lnSpc>
+                <a:spcPct val="90000"/>
+              </a:lnSpc>
+              <a:spcAft>
+                <a:spcPts val="600"/>
+              </a:spcAft>
+              <a:tabLst>
+                <a:tab pos="5380038" algn="l"/>
+              </a:tabLst>
+              <a:defRPr/>
+            </a:pPr>
+            <a:r>
+              <a:rPr lang="en-US" sz="1600" b="1" dirty="0">
+                <a:solidFill>
+                  <a:schemeClr val="accent3">
+                    <a:lumMod val="75000"/>
+                  </a:schemeClr>
+                </a:solidFill>
+                <a:latin typeface="Open Sans" panose="020B0606030504020204" pitchFamily="34" charset="0"/>
+                <a:ea typeface="Open Sans" panose="020B0606030504020204" pitchFamily="34" charset="0"/>
+                <a:cs typeface="Open Sans" panose="020B0606030504020204" pitchFamily="34" charset="0"/>
+              </a:rPr>
+              <a:t>https://github.com/dotnet/maui/blob/main/.github/DEVELOPMENT.md</a:t>
+            </a:r>
+            <a:endParaRPr kumimoji="0" lang="en-US" sz="1600" b="1" i="0" u="none" strike="noStrike" kern="1200" cap="none" spc="0" normalizeH="0" baseline="0" noProof="0" dirty="0">
+              <a:ln>
+                <a:noFill/>
+              </a:ln>
+              <a:solidFill>
+                <a:schemeClr val="accent3">
+                  <a:lumMod val="75000"/>
+                </a:schemeClr>
+              </a:solidFill>
+              <a:effectLst/>
+              <a:highlight>
+                <a:srgbClr val="FFFF00"/>
+              </a:highlight>
+              <a:uLnTx/>
+              <a:uFillTx/>
+              <a:latin typeface="Open Sans" panose="020B0606030504020204" pitchFamily="34" charset="0"/>
+              <a:ea typeface="Open Sans" panose="020B0606030504020204" pitchFamily="34" charset="0"/>
+              <a:cs typeface="Open Sans" panose="020B0606030504020204" pitchFamily="34" charset="0"/>
+            </a:endParaRPr>
+          </a:p>
+        </p:txBody>
+      </p:sp>
+      <p:sp>
+        <p:nvSpPr>
+          <p:cNvPr id="9" name="TextBox 8">
+            <a:extLst>
+              <a:ext uri="{FF2B5EF4-FFF2-40B4-BE49-F238E27FC236}">
+                <a16:creationId xmlns:a16="http://schemas.microsoft.com/office/drawing/2014/main" id="{DD93976A-D0E8-48B9-B26A-116403849A17}"/>
+              </a:ext>
+            </a:extLst>
+          </p:cNvPr>
+          <p:cNvSpPr txBox="1"/>
+          <p:nvPr/>
+        </p:nvSpPr>
+        <p:spPr>
+          <a:xfrm>
+            <a:off x="1761461" y="2033992"/>
+            <a:ext cx="8669078" cy="221599"/>
+          </a:xfrm>
+          <a:prstGeom prst="rect">
+            <a:avLst/>
+          </a:prstGeom>
+          <a:noFill/>
+        </p:spPr>
+        <p:txBody>
+          <a:bodyPr wrap="square" lIns="0" tIns="0" rIns="0" bIns="0" rtlCol="0">
+            <a:spAutoFit/>
+          </a:bodyPr>
+          <a:lstStyle/>
+          <a:p>
+            <a:pPr lvl="0" algn="ctr">
+              <a:lnSpc>
+                <a:spcPct val="90000"/>
+              </a:lnSpc>
+              <a:spcAft>
+                <a:spcPts val="600"/>
+              </a:spcAft>
+              <a:tabLst>
+                <a:tab pos="5380038" algn="l"/>
+              </a:tabLst>
+              <a:defRPr/>
+            </a:pPr>
+            <a:r>
+              <a:rPr lang="en-US" sz="1600" b="1" dirty="0">
+                <a:solidFill>
+                  <a:schemeClr val="accent3">
+                    <a:lumMod val="75000"/>
+                  </a:schemeClr>
+                </a:solidFill>
+                <a:latin typeface="Open Sans" panose="020B0606030504020204" pitchFamily="34" charset="0"/>
+                <a:ea typeface="Open Sans" panose="020B0606030504020204" pitchFamily="34" charset="0"/>
+                <a:cs typeface="Open Sans" panose="020B0606030504020204" pitchFamily="34" charset="0"/>
+              </a:rPr>
+              <a:t>https://dotnet.microsoft.com/en-us/download/dotnet/6.0</a:t>
+            </a:r>
+            <a:endParaRPr kumimoji="0" lang="en-US" sz="1600" b="1" i="0" u="none" strike="noStrike" kern="1200" cap="none" spc="0" normalizeH="0" baseline="0" noProof="0" dirty="0">
+              <a:ln>
+                <a:noFill/>
+              </a:ln>
+              <a:solidFill>
+                <a:schemeClr val="accent3">
+                  <a:lumMod val="75000"/>
+                </a:schemeClr>
+              </a:solidFill>
+              <a:effectLst/>
+              <a:highlight>
+                <a:srgbClr val="FFFF00"/>
+              </a:highlight>
+              <a:uLnTx/>
+              <a:uFillTx/>
+              <a:latin typeface="Open Sans" panose="020B0606030504020204" pitchFamily="34" charset="0"/>
+              <a:ea typeface="Open Sans" panose="020B0606030504020204" pitchFamily="34" charset="0"/>
+              <a:cs typeface="Open Sans" panose="020B0606030504020204" pitchFamily="34" charset="0"/>
+            </a:endParaRPr>
+          </a:p>
+        </p:txBody>
+      </p:sp>
+      <p:pic>
+        <p:nvPicPr>
+          <p:cNvPr id="4" name="Picture 3">
+            <a:extLst>
+              <a:ext uri="{FF2B5EF4-FFF2-40B4-BE49-F238E27FC236}">
+                <a16:creationId xmlns:a16="http://schemas.microsoft.com/office/drawing/2014/main" id="{1FCCD6EA-120C-405C-941A-F369C605E63E}"/>
+              </a:ext>
+            </a:extLst>
+          </p:cNvPr>
+          <p:cNvPicPr>
+            <a:picLocks noChangeAspect="1"/>
+          </p:cNvPicPr>
+          <p:nvPr/>
+        </p:nvPicPr>
+        <p:blipFill>
+          <a:blip r:embed="rId3"/>
+          <a:stretch>
+            <a:fillRect/>
+          </a:stretch>
+        </p:blipFill>
+        <p:spPr>
+          <a:xfrm>
+            <a:off x="4086589" y="2417906"/>
+            <a:ext cx="4018821" cy="3604132"/>
+          </a:xfrm>
+          <a:prstGeom prst="rect">
+            <a:avLst/>
+          </a:prstGeom>
+        </p:spPr>
+      </p:pic>
+    </p:spTree>
+    <p:extLst>
+      <p:ext uri="{BB962C8B-B14F-4D97-AF65-F5344CB8AC3E}">
+        <p14:creationId xmlns:p14="http://schemas.microsoft.com/office/powerpoint/2010/main" val="863004848"/>
+      </p:ext>
+    </p:extLst>
+  </p:cSld>
+  <p:clrMapOvr>
+    <a:masterClrMapping/>
+  </p:clrMapOvr>
+  <p:timing>
+    <p:tnLst>
+      <p:par>
+        <p:cTn id="1" dur="indefinite" restart="never" nodeType="tmRoot">
+          <p:childTnLst>
+            <p:seq concurrent="1" nextAc="seek">
+              <p:cTn id="2" dur="indefinite" nodeType="mainSeq">
+                <p:childTnLst>
+                  <p:par>
+                    <p:cTn id="3" fill="hold">
+                      <p:stCondLst>
+                        <p:cond delay="indefinite"/>
+                        <p:cond evt="onBegin" delay="0">
+                          <p:tn val="2"/>
+                        </p:cond>
+                      </p:stCondLst>
+                      <p:childTnLst>
+                        <p:par>
+                          <p:cTn id="4" fill="hold">
+                            <p:stCondLst>
+                              <p:cond delay="0"/>
+                            </p:stCondLst>
+                            <p:childTnLst>
+                              <p:par>
+                                <p:cTn id="5" presetID="10" presetClass="entr" presetSubtype="0" fill="hold" grpId="0" nodeType="afterEffect">
+                                  <p:stCondLst>
+                                    <p:cond delay="0"/>
+                                  </p:stCondLst>
+                                  <p:childTnLst>
+                                    <p:set>
+                                      <p:cBhvr>
+                                        <p:cTn id="6" dur="1" fill="hold">
+                                          <p:stCondLst>
+                                            <p:cond delay="0"/>
+                                          </p:stCondLst>
+                                        </p:cTn>
+                                        <p:tgtEl>
+                                          <p:spTgt spid="11">
+                                            <p:txEl>
+                                              <p:pRg st="0" end="0"/>
+                                            </p:txEl>
+                                          </p:spTgt>
+                                        </p:tgtEl>
+                                        <p:attrNameLst>
+                                          <p:attrName>style.visibility</p:attrName>
+                                        </p:attrNameLst>
+                                      </p:cBhvr>
+                                      <p:to>
+                                        <p:strVal val="visible"/>
+                                      </p:to>
+                                    </p:set>
+                                    <p:animEffect transition="in" filter="fade">
+                                      <p:cBhvr>
+                                        <p:cTn id="7" dur="500"/>
+                                        <p:tgtEl>
+                                          <p:spTgt spid="11">
+                                            <p:txEl>
+                                              <p:pRg st="0" end="0"/>
+                                            </p:txEl>
+                                          </p:spTgt>
+                                        </p:tgtEl>
+                                      </p:cBhvr>
+                                    </p:animEffect>
+                                  </p:childTnLst>
+                                </p:cTn>
+                              </p:par>
+                            </p:childTnLst>
+                          </p:cTn>
+                        </p:par>
+                        <p:par>
+                          <p:cTn id="8" fill="hold">
+                            <p:stCondLst>
+                              <p:cond delay="500"/>
+                            </p:stCondLst>
+                            <p:childTnLst>
+                              <p:par>
+                                <p:cTn id="9" presetID="10" presetClass="entr" presetSubtype="0" fill="hold" grpId="0" nodeType="afterEffect">
+                                  <p:stCondLst>
+                                    <p:cond delay="0"/>
+                                  </p:stCondLst>
+                                  <p:childTnLst>
+                                    <p:set>
+                                      <p:cBhvr>
+                                        <p:cTn id="10" dur="1" fill="hold">
+                                          <p:stCondLst>
+                                            <p:cond delay="0"/>
+                                          </p:stCondLst>
+                                        </p:cTn>
+                                        <p:tgtEl>
+                                          <p:spTgt spid="27"/>
+                                        </p:tgtEl>
+                                        <p:attrNameLst>
+                                          <p:attrName>style.visibility</p:attrName>
+                                        </p:attrNameLst>
+                                      </p:cBhvr>
+                                      <p:to>
+                                        <p:strVal val="visible"/>
+                                      </p:to>
+                                    </p:set>
+                                    <p:animEffect transition="in" filter="fade">
+                                      <p:cBhvr>
+                                        <p:cTn id="11" dur="500"/>
+                                        <p:tgtEl>
+                                          <p:spTgt spid="27"/>
+                                        </p:tgtEl>
+                                      </p:cBhvr>
+                                    </p:animEffect>
+                                  </p:childTnLst>
+                                </p:cTn>
+                              </p:par>
+                              <p:par>
+                                <p:cTn id="12" presetID="42" presetClass="path" presetSubtype="0" decel="100000" fill="hold" grpId="1" nodeType="withEffect">
+                                  <p:stCondLst>
+                                    <p:cond delay="0"/>
+                                  </p:stCondLst>
+                                  <p:childTnLst>
+                                    <p:animMotion origin="layout" path="M 0 4.44444E-6 L 0 0.03287 " pathEditMode="relative" rAng="0" ptsTypes="AA">
+                                      <p:cBhvr>
+                                        <p:cTn id="13" dur="500" spd="-100000" fill="hold"/>
+                                        <p:tgtEl>
+                                          <p:spTgt spid="27"/>
+                                        </p:tgtEl>
+                                        <p:attrNameLst>
+                                          <p:attrName>ppt_x</p:attrName>
+                                          <p:attrName>ppt_y</p:attrName>
+                                        </p:attrNameLst>
+                                      </p:cBhvr>
+                                      <p:rCtr x="0" y="1644"/>
+                                    </p:animMotion>
+                                  </p:childTnLst>
+                                </p:cTn>
+                              </p:par>
+                            </p:childTnLst>
+                          </p:cTn>
+                        </p:par>
+                        <p:par>
+                          <p:cTn id="14" fill="hold">
+                            <p:stCondLst>
+                              <p:cond delay="1000"/>
+                            </p:stCondLst>
+                            <p:childTnLst>
+                              <p:par>
+                                <p:cTn id="15" presetID="10" presetClass="entr" presetSubtype="0" fill="hold" grpId="0" nodeType="afterEffect">
+                                  <p:stCondLst>
+                                    <p:cond delay="0"/>
+                                  </p:stCondLst>
+                                  <p:childTnLst>
+                                    <p:set>
+                                      <p:cBhvr>
+                                        <p:cTn id="16" dur="1" fill="hold">
+                                          <p:stCondLst>
+                                            <p:cond delay="0"/>
+                                          </p:stCondLst>
+                                        </p:cTn>
+                                        <p:tgtEl>
+                                          <p:spTgt spid="9"/>
+                                        </p:tgtEl>
+                                        <p:attrNameLst>
+                                          <p:attrName>style.visibility</p:attrName>
+                                        </p:attrNameLst>
+                                      </p:cBhvr>
+                                      <p:to>
+                                        <p:strVal val="visible"/>
+                                      </p:to>
+                                    </p:set>
+                                    <p:animEffect transition="in" filter="fade">
+                                      <p:cBhvr>
+                                        <p:cTn id="17" dur="500"/>
+                                        <p:tgtEl>
+                                          <p:spTgt spid="9"/>
+                                        </p:tgtEl>
+                                      </p:cBhvr>
+                                    </p:animEffect>
+                                  </p:childTnLst>
+                                </p:cTn>
+                              </p:par>
+                              <p:par>
+                                <p:cTn id="18" presetID="42" presetClass="path" presetSubtype="0" decel="100000" fill="hold" grpId="1" nodeType="withEffect">
+                                  <p:stCondLst>
+                                    <p:cond delay="0"/>
+                                  </p:stCondLst>
+                                  <p:childTnLst>
+                                    <p:animMotion origin="layout" path="M 0 -1.48148E-6 L 0 0.03287 " pathEditMode="relative" rAng="0" ptsTypes="AA">
+                                      <p:cBhvr>
+                                        <p:cTn id="19" dur="500" spd="-100000" fill="hold"/>
+                                        <p:tgtEl>
+                                          <p:spTgt spid="9"/>
+                                        </p:tgtEl>
+                                        <p:attrNameLst>
+                                          <p:attrName>ppt_x</p:attrName>
+                                          <p:attrName>ppt_y</p:attrName>
+                                        </p:attrNameLst>
+                                      </p:cBhvr>
+                                      <p:rCtr x="0" y="1644"/>
+                                    </p:animMotion>
+                                  </p:childTnLst>
+                                </p:cTn>
+                              </p:par>
+                            </p:childTnLst>
+                          </p:cTn>
+                        </p:par>
+                      </p:childTnLst>
+                    </p:cTn>
+                  </p:par>
+                </p:childTnLst>
+              </p:cTn>
+              <p:prevCondLst>
+                <p:cond evt="onPrev" delay="0">
+                  <p:tgtEl>
+                    <p:sldTgt/>
+                  </p:tgtEl>
+                </p:cond>
+              </p:prevCondLst>
+              <p:nextCondLst>
+                <p:cond evt="onNext" delay="0">
+                  <p:tgtEl>
+                    <p:sldTgt/>
+                  </p:tgtEl>
+                </p:cond>
+              </p:nextCondLst>
+            </p:seq>
+          </p:childTnLst>
+        </p:cTn>
+      </p:par>
+    </p:tnLst>
+    <p:bldLst>
+      <p:bldP spid="11" grpId="0" uiExpand="1" build="p"/>
+      <p:bldP spid="27" grpId="0"/>
+      <p:bldP spid="27" grpId="1"/>
+      <p:bldP spid="9" grpId="0"/>
+      <p:bldP spid="9" grpId="1"/>
+    </p:bldLst>
+  </p:timing>
+</p:sld>
+</file>
+
+<file path=ppt/slides/slide3.xml><?xml version="1.0" encoding="utf-8"?>
+<p:sld xmlns:a="http://schemas.openxmlformats.org/drawingml/2006/main" xmlns:r="http://schemas.openxmlformats.org/officeDocument/2006/relationships" xmlns:p="http://schemas.openxmlformats.org/presentationml/2006/main">
+  <p:cSld>
+    <p:spTree>
+      <p:nvGrpSpPr>
+        <p:cNvPr id="1" name=""/>
+        <p:cNvGrpSpPr/>
+        <p:nvPr/>
+      </p:nvGrpSpPr>
+      <p:grpSpPr>
+        <a:xfrm>
+          <a:off x="0" y="0"/>
+          <a:ext cx="0" cy="0"/>
+          <a:chOff x="0" y="0"/>
+          <a:chExt cx="0" cy="0"/>
+        </a:xfrm>
+      </p:grpSpPr>
+      <p:sp>
+        <p:nvSpPr>
+          <p:cNvPr id="11" name="TextBox 10">
+            <a:extLst>
+              <a:ext uri="{FF2B5EF4-FFF2-40B4-BE49-F238E27FC236}">
+                <a16:creationId xmlns:a16="http://schemas.microsoft.com/office/drawing/2014/main" id="{C0E7814F-772A-488B-9829-94D3C5B349DF}"/>
+              </a:ext>
+            </a:extLst>
+          </p:cNvPr>
+          <p:cNvSpPr txBox="1"/>
+          <p:nvPr/>
+        </p:nvSpPr>
+        <p:spPr>
+          <a:xfrm>
+            <a:off x="269240" y="1257641"/>
+            <a:ext cx="11655840" cy="2554545"/>
+          </a:xfrm>
+          <a:prstGeom prst="rect">
+            <a:avLst/>
+          </a:prstGeom>
+          <a:noFill/>
+        </p:spPr>
+        <p:txBody>
+          <a:bodyPr wrap="square">
+            <a:spAutoFit/>
+          </a:bodyPr>
+          <a:lstStyle/>
+          <a:p>
+            <a:pPr marL="0" marR="0" lvl="0" indent="0" algn="l" defTabSz="914400" rtl="0" eaLnBrk="1" fontAlgn="auto" latinLnBrk="0" hangingPunct="1">
+              <a:lnSpc>
+                <a:spcPct val="100000"/>
+              </a:lnSpc>
+              <a:spcBef>
+                <a:spcPts val="0"/>
+              </a:spcBef>
+              <a:spcAft>
+                <a:spcPts val="0"/>
+              </a:spcAft>
+              <a:buClrTx/>
+              <a:buSzTx/>
+              <a:buFontTx/>
+              <a:buNone/>
+              <a:tabLst/>
+              <a:defRPr/>
+            </a:pPr>
+            <a:r>
+              <a:rPr lang="es-ES" sz="2000" dirty="0">
+                <a:latin typeface="Open Sans" panose="020B0606030504020204" pitchFamily="34" charset="0"/>
+                <a:ea typeface="Open Sans" panose="020B0606030504020204" pitchFamily="34" charset="0"/>
+                <a:cs typeface="Open Sans" panose="020B0606030504020204" pitchFamily="34" charset="0"/>
+              </a:rPr>
+              <a:t>El problema más común es no tener instalado los </a:t>
+            </a:r>
+            <a:r>
+              <a:rPr lang="es-ES" sz="2000" dirty="0" err="1">
+                <a:latin typeface="Open Sans" panose="020B0606030504020204" pitchFamily="34" charset="0"/>
+                <a:ea typeface="Open Sans" panose="020B0606030504020204" pitchFamily="34" charset="0"/>
+                <a:cs typeface="Open Sans" panose="020B0606030504020204" pitchFamily="34" charset="0"/>
+              </a:rPr>
+              <a:t>workloads</a:t>
+            </a:r>
+            <a:r>
+              <a:rPr lang="es-ES" sz="2000" dirty="0">
+                <a:latin typeface="Open Sans" panose="020B0606030504020204" pitchFamily="34" charset="0"/>
+                <a:ea typeface="Open Sans" panose="020B0606030504020204" pitchFamily="34" charset="0"/>
+                <a:cs typeface="Open Sans" panose="020B0606030504020204" pitchFamily="34" charset="0"/>
+              </a:rPr>
+              <a:t> o bien, tener instalados unos </a:t>
+            </a:r>
+            <a:r>
+              <a:rPr lang="es-ES" sz="2000" dirty="0" err="1">
+                <a:latin typeface="Open Sans" panose="020B0606030504020204" pitchFamily="34" charset="0"/>
+                <a:ea typeface="Open Sans" panose="020B0606030504020204" pitchFamily="34" charset="0"/>
+                <a:cs typeface="Open Sans" panose="020B0606030504020204" pitchFamily="34" charset="0"/>
+              </a:rPr>
+              <a:t>workloads</a:t>
+            </a:r>
+            <a:r>
+              <a:rPr lang="es-ES" sz="2000" dirty="0">
+                <a:latin typeface="Open Sans" panose="020B0606030504020204" pitchFamily="34" charset="0"/>
+                <a:ea typeface="Open Sans" panose="020B0606030504020204" pitchFamily="34" charset="0"/>
+                <a:cs typeface="Open Sans" panose="020B0606030504020204" pitchFamily="34" charset="0"/>
+              </a:rPr>
+              <a:t> de una versión diferente a .NET o Visual Studio.</a:t>
+            </a:r>
+          </a:p>
+          <a:p>
+            <a:pPr marL="0" marR="0" lvl="0" indent="0" algn="l" defTabSz="914400" rtl="0" eaLnBrk="1" fontAlgn="auto" latinLnBrk="0" hangingPunct="1">
+              <a:lnSpc>
+                <a:spcPct val="100000"/>
+              </a:lnSpc>
+              <a:spcBef>
+                <a:spcPts val="0"/>
+              </a:spcBef>
+              <a:spcAft>
+                <a:spcPts val="0"/>
+              </a:spcAft>
+              <a:buClrTx/>
+              <a:buSzTx/>
+              <a:buFontTx/>
+              <a:buNone/>
+              <a:tabLst/>
+              <a:defRPr/>
+            </a:pPr>
+            <a:endParaRPr kumimoji="0" lang="es-ES" sz="2000" b="0" i="0" u="none" strike="noStrike" kern="1200" cap="none" spc="0" normalizeH="0" baseline="0" noProof="0" dirty="0">
+              <a:ln>
+                <a:noFill/>
+              </a:ln>
+              <a:effectLst/>
+              <a:uLnTx/>
+              <a:uFillTx/>
+              <a:latin typeface="Open Sans" panose="020B0606030504020204" pitchFamily="34" charset="0"/>
+              <a:ea typeface="Open Sans" panose="020B0606030504020204" pitchFamily="34" charset="0"/>
+              <a:cs typeface="Open Sans" panose="020B0606030504020204" pitchFamily="34" charset="0"/>
+            </a:endParaRPr>
+          </a:p>
+          <a:p>
+            <a:pPr marL="0" marR="0" lvl="0" indent="0" algn="l" defTabSz="914400" rtl="0" eaLnBrk="1" fontAlgn="auto" latinLnBrk="0" hangingPunct="1">
+              <a:lnSpc>
+                <a:spcPct val="100000"/>
+              </a:lnSpc>
+              <a:spcBef>
+                <a:spcPts val="0"/>
+              </a:spcBef>
+              <a:spcAft>
+                <a:spcPts val="0"/>
+              </a:spcAft>
+              <a:buClrTx/>
+              <a:buSzTx/>
+              <a:buFontTx/>
+              <a:buNone/>
+              <a:tabLst/>
+              <a:defRPr/>
+            </a:pPr>
+            <a:endParaRPr lang="es-ES" sz="2000" dirty="0">
+              <a:latin typeface="Open Sans" panose="020B0606030504020204" pitchFamily="34" charset="0"/>
+              <a:ea typeface="Open Sans" panose="020B0606030504020204" pitchFamily="34" charset="0"/>
+              <a:cs typeface="Open Sans" panose="020B0606030504020204" pitchFamily="34" charset="0"/>
+            </a:endParaRPr>
+          </a:p>
+          <a:p>
+            <a:pPr marL="0" marR="0" lvl="0" indent="0" algn="l" defTabSz="914400" rtl="0" eaLnBrk="1" fontAlgn="auto" latinLnBrk="0" hangingPunct="1">
+              <a:lnSpc>
+                <a:spcPct val="100000"/>
+              </a:lnSpc>
+              <a:spcBef>
+                <a:spcPts val="0"/>
+              </a:spcBef>
+              <a:spcAft>
+                <a:spcPts val="0"/>
+              </a:spcAft>
+              <a:buClrTx/>
+              <a:buSzTx/>
+              <a:buFontTx/>
+              <a:buNone/>
+              <a:tabLst/>
+              <a:defRPr/>
+            </a:pPr>
+            <a:endParaRPr kumimoji="0" lang="es-ES" sz="2000" b="0" i="0" u="none" strike="noStrike" kern="1200" cap="none" spc="0" normalizeH="0" baseline="0" noProof="0" dirty="0">
+              <a:ln>
+                <a:noFill/>
+              </a:ln>
+              <a:effectLst/>
+              <a:uLnTx/>
+              <a:uFillTx/>
+              <a:latin typeface="Open Sans" panose="020B0606030504020204" pitchFamily="34" charset="0"/>
+              <a:ea typeface="Open Sans" panose="020B0606030504020204" pitchFamily="34" charset="0"/>
+              <a:cs typeface="Open Sans" panose="020B0606030504020204" pitchFamily="34" charset="0"/>
+            </a:endParaRPr>
+          </a:p>
+          <a:p>
+            <a:pPr marL="0" marR="0" lvl="0" indent="0" algn="l" defTabSz="914400" rtl="0" eaLnBrk="1" fontAlgn="auto" latinLnBrk="0" hangingPunct="1">
+              <a:lnSpc>
+                <a:spcPct val="100000"/>
+              </a:lnSpc>
+              <a:spcBef>
+                <a:spcPts val="0"/>
+              </a:spcBef>
+              <a:spcAft>
+                <a:spcPts val="0"/>
+              </a:spcAft>
+              <a:buClrTx/>
+              <a:buSzTx/>
+              <a:buFontTx/>
+              <a:buNone/>
+              <a:tabLst/>
+              <a:defRPr/>
+            </a:pPr>
+            <a:endParaRPr lang="es-ES" sz="2000" dirty="0">
+              <a:latin typeface="Open Sans" panose="020B0606030504020204" pitchFamily="34" charset="0"/>
+              <a:ea typeface="Open Sans" panose="020B0606030504020204" pitchFamily="34" charset="0"/>
+              <a:cs typeface="Open Sans" panose="020B0606030504020204" pitchFamily="34" charset="0"/>
+            </a:endParaRPr>
+          </a:p>
+          <a:p>
+            <a:pPr marL="0" marR="0" lvl="0" indent="0" algn="l" defTabSz="914400" rtl="0" eaLnBrk="1" fontAlgn="auto" latinLnBrk="0" hangingPunct="1">
+              <a:lnSpc>
+                <a:spcPct val="100000"/>
+              </a:lnSpc>
+              <a:spcBef>
+                <a:spcPts val="0"/>
+              </a:spcBef>
+              <a:spcAft>
+                <a:spcPts val="0"/>
+              </a:spcAft>
+              <a:buClrTx/>
+              <a:buSzTx/>
+              <a:buFontTx/>
+              <a:buNone/>
+              <a:tabLst/>
+              <a:defRPr/>
+            </a:pPr>
+            <a:endParaRPr lang="en-US" sz="2000" noProof="0" dirty="0">
+              <a:latin typeface="Open Sans" panose="020B0606030504020204" pitchFamily="34" charset="0"/>
+              <a:ea typeface="Open Sans" panose="020B0606030504020204" pitchFamily="34" charset="0"/>
+              <a:cs typeface="Open Sans" panose="020B0606030504020204" pitchFamily="34" charset="0"/>
+            </a:endParaRPr>
+          </a:p>
+          <a:p>
+            <a:pPr marL="0" marR="0" lvl="0" indent="0" algn="l" defTabSz="914400" rtl="0" eaLnBrk="1" fontAlgn="auto" latinLnBrk="0" hangingPunct="1">
+              <a:lnSpc>
+                <a:spcPct val="100000"/>
+              </a:lnSpc>
+              <a:spcBef>
+                <a:spcPts val="0"/>
+              </a:spcBef>
+              <a:spcAft>
+                <a:spcPts val="0"/>
+              </a:spcAft>
+              <a:buClrTx/>
+              <a:buSzTx/>
+              <a:buFontTx/>
+              <a:buNone/>
+              <a:tabLst/>
+              <a:defRPr/>
+            </a:pPr>
+            <a:r>
+              <a:rPr kumimoji="0" lang="en-US" sz="2000" b="0" i="0" u="none" strike="noStrike" kern="1200" cap="none" spc="0" normalizeH="0" baseline="0" dirty="0">
+                <a:ln>
+                  <a:noFill/>
+                </a:ln>
+                <a:effectLst/>
+                <a:uLnTx/>
+                <a:uFillTx/>
+                <a:latin typeface="Open Sans" panose="020B0606030504020204" pitchFamily="34" charset="0"/>
+                <a:ea typeface="Open Sans" panose="020B0606030504020204" pitchFamily="34" charset="0"/>
+                <a:cs typeface="Open Sans" panose="020B0606030504020204" pitchFamily="34" charset="0"/>
+              </a:rPr>
+              <a:t>Para </a:t>
+            </a:r>
+            <a:r>
+              <a:rPr kumimoji="0" lang="en-US" sz="2000" b="0" i="0" u="none" strike="noStrike" kern="1200" cap="none" spc="0" normalizeH="0" baseline="0" dirty="0" err="1">
+                <a:ln>
+                  <a:noFill/>
+                </a:ln>
+                <a:effectLst/>
+                <a:uLnTx/>
+                <a:uFillTx/>
+                <a:latin typeface="Open Sans" panose="020B0606030504020204" pitchFamily="34" charset="0"/>
+                <a:ea typeface="Open Sans" panose="020B0606030504020204" pitchFamily="34" charset="0"/>
+                <a:cs typeface="Open Sans" panose="020B0606030504020204" pitchFamily="34" charset="0"/>
+              </a:rPr>
+              <a:t>corregir</a:t>
+            </a:r>
+            <a:r>
+              <a:rPr kumimoji="0" lang="en-US" sz="2000" b="0" i="0" u="none" strike="noStrike" kern="1200" cap="none" spc="0" normalizeH="0" baseline="0" dirty="0">
+                <a:ln>
+                  <a:noFill/>
+                </a:ln>
+                <a:effectLst/>
+                <a:uLnTx/>
+                <a:uFillTx/>
+                <a:latin typeface="Open Sans" panose="020B0606030504020204" pitchFamily="34" charset="0"/>
+                <a:ea typeface="Open Sans" panose="020B0606030504020204" pitchFamily="34" charset="0"/>
+                <a:cs typeface="Open Sans" panose="020B0606030504020204" pitchFamily="34" charset="0"/>
+              </a:rPr>
+              <a:t> </a:t>
+            </a:r>
+            <a:r>
+              <a:rPr kumimoji="0" lang="en-US" sz="2000" b="0" i="0" u="none" strike="noStrike" kern="1200" cap="none" spc="0" normalizeH="0" baseline="0" dirty="0" err="1">
+                <a:ln>
+                  <a:noFill/>
+                </a:ln>
+                <a:effectLst/>
+                <a:uLnTx/>
+                <a:uFillTx/>
+                <a:latin typeface="Open Sans" panose="020B0606030504020204" pitchFamily="34" charset="0"/>
+                <a:ea typeface="Open Sans" panose="020B0606030504020204" pitchFamily="34" charset="0"/>
+                <a:cs typeface="Open Sans" panose="020B0606030504020204" pitchFamily="34" charset="0"/>
+              </a:rPr>
+              <a:t>este</a:t>
+            </a:r>
+            <a:r>
+              <a:rPr kumimoji="0" lang="en-US" sz="2000" b="0" i="0" u="none" strike="noStrike" kern="1200" cap="none" spc="0" normalizeH="0" baseline="0" dirty="0">
+                <a:ln>
+                  <a:noFill/>
+                </a:ln>
+                <a:effectLst/>
+                <a:uLnTx/>
+                <a:uFillTx/>
+                <a:latin typeface="Open Sans" panose="020B0606030504020204" pitchFamily="34" charset="0"/>
+                <a:ea typeface="Open Sans" panose="020B0606030504020204" pitchFamily="34" charset="0"/>
+                <a:cs typeface="Open Sans" panose="020B0606030504020204" pitchFamily="34" charset="0"/>
+              </a:rPr>
+              <a:t> </a:t>
+            </a:r>
+            <a:r>
+              <a:rPr kumimoji="0" lang="en-US" sz="2000" b="0" i="0" u="none" strike="noStrike" kern="1200" cap="none" spc="0" normalizeH="0" baseline="0" dirty="0" err="1">
+                <a:ln>
+                  <a:noFill/>
+                </a:ln>
+                <a:effectLst/>
+                <a:uLnTx/>
+                <a:uFillTx/>
+                <a:latin typeface="Open Sans" panose="020B0606030504020204" pitchFamily="34" charset="0"/>
+                <a:ea typeface="Open Sans" panose="020B0606030504020204" pitchFamily="34" charset="0"/>
+                <a:cs typeface="Open Sans" panose="020B0606030504020204" pitchFamily="34" charset="0"/>
+              </a:rPr>
+              <a:t>problema</a:t>
+            </a:r>
+            <a:r>
+              <a:rPr kumimoji="0" lang="en-US" sz="2000" b="0" i="0" u="none" strike="noStrike" kern="1200" cap="none" spc="0" normalizeH="0" baseline="0" dirty="0">
+                <a:ln>
+                  <a:noFill/>
+                </a:ln>
+                <a:effectLst/>
+                <a:uLnTx/>
+                <a:uFillTx/>
+                <a:latin typeface="Open Sans" panose="020B0606030504020204" pitchFamily="34" charset="0"/>
+                <a:ea typeface="Open Sans" panose="020B0606030504020204" pitchFamily="34" charset="0"/>
+                <a:cs typeface="Open Sans" panose="020B0606030504020204" pitchFamily="34" charset="0"/>
+              </a:rPr>
+              <a:t>, </a:t>
+            </a:r>
+            <a:r>
+              <a:rPr kumimoji="0" lang="en-US" sz="2000" b="0" i="0" u="none" strike="noStrike" kern="1200" cap="none" spc="0" normalizeH="0" baseline="0" dirty="0" err="1">
+                <a:ln>
+                  <a:noFill/>
+                </a:ln>
+                <a:effectLst/>
+                <a:uLnTx/>
+                <a:uFillTx/>
+                <a:latin typeface="Open Sans" panose="020B0606030504020204" pitchFamily="34" charset="0"/>
+                <a:ea typeface="Open Sans" panose="020B0606030504020204" pitchFamily="34" charset="0"/>
+                <a:cs typeface="Open Sans" panose="020B0606030504020204" pitchFamily="34" charset="0"/>
+              </a:rPr>
+              <a:t>puedes</a:t>
+            </a:r>
+            <a:r>
+              <a:rPr kumimoji="0" lang="en-US" sz="2000" b="0" i="0" u="none" strike="noStrike" kern="1200" cap="none" spc="0" normalizeH="0" baseline="0" dirty="0">
+                <a:ln>
+                  <a:noFill/>
+                </a:ln>
+                <a:effectLst/>
+                <a:uLnTx/>
+                <a:uFillTx/>
+                <a:latin typeface="Open Sans" panose="020B0606030504020204" pitchFamily="34" charset="0"/>
+                <a:ea typeface="Open Sans" panose="020B0606030504020204" pitchFamily="34" charset="0"/>
+                <a:cs typeface="Open Sans" panose="020B0606030504020204" pitchFamily="34" charset="0"/>
+              </a:rPr>
+              <a:t> </a:t>
+            </a:r>
+            <a:r>
+              <a:rPr kumimoji="0" lang="en-US" sz="2000" b="0" i="0" u="none" strike="noStrike" kern="1200" cap="none" spc="0" normalizeH="0" baseline="0" dirty="0" err="1">
+                <a:ln>
+                  <a:noFill/>
+                </a:ln>
+                <a:effectLst/>
+                <a:uLnTx/>
+                <a:uFillTx/>
+                <a:latin typeface="Open Sans" panose="020B0606030504020204" pitchFamily="34" charset="0"/>
+                <a:ea typeface="Open Sans" panose="020B0606030504020204" pitchFamily="34" charset="0"/>
+                <a:cs typeface="Open Sans" panose="020B0606030504020204" pitchFamily="34" charset="0"/>
+              </a:rPr>
+              <a:t>utilizar</a:t>
+            </a:r>
+            <a:r>
+              <a:rPr kumimoji="0" lang="en-US" sz="2000" b="0" i="0" u="none" strike="noStrike" kern="1200" cap="none" spc="0" normalizeH="0" baseline="0" dirty="0">
+                <a:ln>
+                  <a:noFill/>
+                </a:ln>
+                <a:effectLst/>
+                <a:uLnTx/>
+                <a:uFillTx/>
+                <a:latin typeface="Open Sans" panose="020B0606030504020204" pitchFamily="34" charset="0"/>
+                <a:ea typeface="Open Sans" panose="020B0606030504020204" pitchFamily="34" charset="0"/>
+                <a:cs typeface="Open Sans" panose="020B0606030504020204" pitchFamily="34" charset="0"/>
+              </a:rPr>
+              <a:t> </a:t>
+            </a:r>
+            <a:r>
+              <a:rPr kumimoji="0" lang="en-US" sz="2000" b="0" i="0" u="none" strike="noStrike" kern="1200" cap="none" spc="0" normalizeH="0" baseline="0" dirty="0" err="1">
+                <a:ln>
+                  <a:noFill/>
+                </a:ln>
+                <a:effectLst/>
+                <a:uLnTx/>
+                <a:uFillTx/>
+                <a:latin typeface="Open Sans" panose="020B0606030504020204" pitchFamily="34" charset="0"/>
+                <a:ea typeface="Open Sans" panose="020B0606030504020204" pitchFamily="34" charset="0"/>
+                <a:cs typeface="Open Sans" panose="020B0606030504020204" pitchFamily="34" charset="0"/>
+              </a:rPr>
+              <a:t>el</a:t>
+            </a:r>
+            <a:r>
+              <a:rPr kumimoji="0" lang="en-US" sz="2000" b="0" i="0" u="none" strike="noStrike" kern="1200" cap="none" spc="0" normalizeH="0" baseline="0" dirty="0">
+                <a:ln>
+                  <a:noFill/>
+                </a:ln>
+                <a:effectLst/>
+                <a:uLnTx/>
+                <a:uFillTx/>
+                <a:latin typeface="Open Sans" panose="020B0606030504020204" pitchFamily="34" charset="0"/>
+                <a:ea typeface="Open Sans" panose="020B0606030504020204" pitchFamily="34" charset="0"/>
+                <a:cs typeface="Open Sans" panose="020B0606030504020204" pitchFamily="34" charset="0"/>
+              </a:rPr>
+              <a:t> </a:t>
+            </a:r>
+            <a:r>
+              <a:rPr kumimoji="0" lang="en-US" sz="2000" b="0" i="0" u="none" strike="noStrike" kern="1200" cap="none" spc="0" normalizeH="0" baseline="0" dirty="0" err="1">
+                <a:ln>
+                  <a:noFill/>
+                </a:ln>
+                <a:effectLst/>
+                <a:uLnTx/>
+                <a:uFillTx/>
+                <a:latin typeface="Open Sans" panose="020B0606030504020204" pitchFamily="34" charset="0"/>
+                <a:ea typeface="Open Sans" panose="020B0606030504020204" pitchFamily="34" charset="0"/>
+                <a:cs typeface="Open Sans" panose="020B0606030504020204" pitchFamily="34" charset="0"/>
+              </a:rPr>
+              <a:t>siguiente</a:t>
+            </a:r>
+            <a:r>
+              <a:rPr kumimoji="0" lang="en-US" sz="2000" b="0" i="0" u="none" strike="noStrike" kern="1200" cap="none" spc="0" normalizeH="0" baseline="0" dirty="0">
+                <a:ln>
+                  <a:noFill/>
+                </a:ln>
+                <a:effectLst/>
+                <a:uLnTx/>
+                <a:uFillTx/>
+                <a:latin typeface="Open Sans" panose="020B0606030504020204" pitchFamily="34" charset="0"/>
+                <a:ea typeface="Open Sans" panose="020B0606030504020204" pitchFamily="34" charset="0"/>
+                <a:cs typeface="Open Sans" panose="020B0606030504020204" pitchFamily="34" charset="0"/>
+              </a:rPr>
+              <a:t> </a:t>
+            </a:r>
+            <a:r>
+              <a:rPr kumimoji="0" lang="en-US" sz="2000" b="0" i="0" u="none" strike="noStrike" kern="1200" cap="none" spc="0" normalizeH="0" baseline="0" dirty="0" err="1">
+                <a:ln>
+                  <a:noFill/>
+                </a:ln>
+                <a:effectLst/>
+                <a:uLnTx/>
+                <a:uFillTx/>
+                <a:latin typeface="Open Sans" panose="020B0606030504020204" pitchFamily="34" charset="0"/>
+                <a:ea typeface="Open Sans" panose="020B0606030504020204" pitchFamily="34" charset="0"/>
+                <a:cs typeface="Open Sans" panose="020B0606030504020204" pitchFamily="34" charset="0"/>
+              </a:rPr>
+              <a:t>comando</a:t>
+            </a:r>
+            <a:r>
+              <a:rPr kumimoji="0" lang="en-US" sz="2000" b="0" i="0" u="none" strike="noStrike" kern="1200" cap="none" spc="0" normalizeH="0" baseline="0" dirty="0">
+                <a:ln>
+                  <a:noFill/>
+                </a:ln>
+                <a:effectLst/>
+                <a:uLnTx/>
+                <a:uFillTx/>
+                <a:latin typeface="Open Sans" panose="020B0606030504020204" pitchFamily="34" charset="0"/>
+                <a:ea typeface="Open Sans" panose="020B0606030504020204" pitchFamily="34" charset="0"/>
+                <a:cs typeface="Open Sans" panose="020B0606030504020204" pitchFamily="34" charset="0"/>
+              </a:rPr>
+              <a:t>:</a:t>
+            </a:r>
+            <a:endParaRPr kumimoji="0" lang="es-ES" sz="2000" b="0" i="0" u="none" strike="noStrike" kern="1200" cap="none" spc="0" normalizeH="0" baseline="0" noProof="0" dirty="0">
+              <a:ln>
+                <a:noFill/>
+              </a:ln>
+              <a:effectLst/>
+              <a:uLnTx/>
+              <a:uFillTx/>
+              <a:latin typeface="Open Sans" panose="020B0606030504020204" pitchFamily="34" charset="0"/>
+              <a:ea typeface="Open Sans" panose="020B0606030504020204" pitchFamily="34" charset="0"/>
+              <a:cs typeface="Open Sans" panose="020B0606030504020204" pitchFamily="34" charset="0"/>
+            </a:endParaRPr>
+          </a:p>
+        </p:txBody>
+      </p:sp>
+      <p:sp>
+        <p:nvSpPr>
+          <p:cNvPr id="6" name="Title 5">
+            <a:extLst>
+              <a:ext uri="{FF2B5EF4-FFF2-40B4-BE49-F238E27FC236}">
+                <a16:creationId xmlns:a16="http://schemas.microsoft.com/office/drawing/2014/main" id="{7C376708-27FB-47AF-ABE1-2D622AC8ED83}"/>
+              </a:ext>
+            </a:extLst>
+          </p:cNvPr>
+          <p:cNvSpPr>
+            <a:spLocks noGrp="1"/>
+          </p:cNvSpPr>
+          <p:nvPr>
+            <p:ph type="title"/>
+          </p:nvPr>
+        </p:nvSpPr>
+        <p:spPr/>
+        <p:txBody>
+          <a:bodyPr>
+            <a:normAutofit/>
+          </a:bodyPr>
+          <a:lstStyle/>
+          <a:p>
+            <a:r>
+              <a:rPr lang="es-ES" sz="3600" dirty="0"/>
+              <a:t>Problemas más comunes</a:t>
+            </a:r>
+            <a:endParaRPr lang="en-US" sz="3600" dirty="0"/>
+          </a:p>
+        </p:txBody>
+      </p:sp>
+      <p:sp>
+        <p:nvSpPr>
+          <p:cNvPr id="27" name="TextBox 26">
+            <a:extLst>
+              <a:ext uri="{FF2B5EF4-FFF2-40B4-BE49-F238E27FC236}">
+                <a16:creationId xmlns:a16="http://schemas.microsoft.com/office/drawing/2014/main" id="{E6899861-F3C8-435F-842F-0D4F0330DE36}"/>
+              </a:ext>
+            </a:extLst>
+          </p:cNvPr>
+          <p:cNvSpPr txBox="1"/>
+          <p:nvPr/>
+        </p:nvSpPr>
+        <p:spPr>
+          <a:xfrm>
+            <a:off x="1761461" y="6271276"/>
+            <a:ext cx="8669078" cy="221599"/>
+          </a:xfrm>
+          <a:prstGeom prst="rect">
+            <a:avLst/>
+          </a:prstGeom>
+          <a:noFill/>
+        </p:spPr>
+        <p:txBody>
+          <a:bodyPr wrap="square" lIns="0" tIns="0" rIns="0" bIns="0" rtlCol="0">
+            <a:spAutoFit/>
+          </a:bodyPr>
+          <a:lstStyle/>
+          <a:p>
+            <a:pPr lvl="0" algn="ctr">
+              <a:lnSpc>
+                <a:spcPct val="90000"/>
+              </a:lnSpc>
+              <a:spcAft>
+                <a:spcPts val="600"/>
+              </a:spcAft>
+              <a:tabLst>
+                <a:tab pos="5380038" algn="l"/>
+              </a:tabLst>
+              <a:defRPr/>
+            </a:pPr>
+            <a:r>
+              <a:rPr lang="en-US" sz="1600" b="1" dirty="0">
+                <a:solidFill>
+                  <a:schemeClr val="accent3">
+                    <a:lumMod val="75000"/>
+                  </a:schemeClr>
+                </a:solidFill>
+                <a:latin typeface="Open Sans" panose="020B0606030504020204" pitchFamily="34" charset="0"/>
+                <a:ea typeface="Open Sans" panose="020B0606030504020204" pitchFamily="34" charset="0"/>
+                <a:cs typeface="Open Sans" panose="020B0606030504020204" pitchFamily="34" charset="0"/>
+              </a:rPr>
+              <a:t>https://github.com/dotnet/maui/blob/main/.github/DEVELOPMENT.md</a:t>
+            </a:r>
+            <a:endParaRPr kumimoji="0" lang="en-US" sz="1600" b="1" i="0" u="none" strike="noStrike" kern="1200" cap="none" spc="0" normalizeH="0" baseline="0" noProof="0" dirty="0">
+              <a:ln>
+                <a:noFill/>
+              </a:ln>
+              <a:solidFill>
+                <a:schemeClr val="accent3">
+                  <a:lumMod val="75000"/>
+                </a:schemeClr>
+              </a:solidFill>
+              <a:effectLst/>
+              <a:highlight>
+                <a:srgbClr val="FFFF00"/>
+              </a:highlight>
+              <a:uLnTx/>
+              <a:uFillTx/>
+              <a:latin typeface="Open Sans" panose="020B0606030504020204" pitchFamily="34" charset="0"/>
+              <a:ea typeface="Open Sans" panose="020B0606030504020204" pitchFamily="34" charset="0"/>
+              <a:cs typeface="Open Sans" panose="020B0606030504020204" pitchFamily="34" charset="0"/>
+            </a:endParaRPr>
+          </a:p>
+        </p:txBody>
+      </p:sp>
+      <p:sp>
+        <p:nvSpPr>
+          <p:cNvPr id="7" name="TextBox 6">
+            <a:extLst>
+              <a:ext uri="{FF2B5EF4-FFF2-40B4-BE49-F238E27FC236}">
+                <a16:creationId xmlns:a16="http://schemas.microsoft.com/office/drawing/2014/main" id="{4B6A435A-B0B1-46EA-BBF6-69320F07FD73}"/>
+              </a:ext>
+            </a:extLst>
+          </p:cNvPr>
+          <p:cNvSpPr txBox="1"/>
+          <p:nvPr/>
+        </p:nvSpPr>
+        <p:spPr>
+          <a:xfrm>
+            <a:off x="269240" y="2254844"/>
+            <a:ext cx="11655840" cy="923330"/>
+          </a:xfrm>
+          <a:prstGeom prst="rect">
+            <a:avLst/>
+          </a:prstGeom>
+          <a:noFill/>
+        </p:spPr>
+        <p:txBody>
+          <a:bodyPr wrap="square">
+            <a:spAutoFit/>
+          </a:bodyPr>
+          <a:lstStyle/>
+          <a:p>
+            <a:r>
+              <a:rPr lang="en-US" i="0" dirty="0">
+                <a:solidFill>
+                  <a:srgbClr val="24292F"/>
+                </a:solidFill>
+                <a:effectLst/>
+                <a:latin typeface="Consolas" panose="020B0609020204030204" pitchFamily="49" charset="0"/>
+              </a:rPr>
+              <a:t>Error NETSDK1147 To build this project, the following workloads must be installed: </a:t>
+            </a:r>
+            <a:r>
+              <a:rPr lang="en-US" i="0" dirty="0" err="1">
+                <a:solidFill>
+                  <a:srgbClr val="24292F"/>
+                </a:solidFill>
+                <a:effectLst/>
+                <a:latin typeface="Consolas" panose="020B0609020204030204" pitchFamily="49" charset="0"/>
+              </a:rPr>
+              <a:t>maui</a:t>
+            </a:r>
+            <a:r>
+              <a:rPr lang="en-US" i="0" dirty="0">
+                <a:solidFill>
+                  <a:srgbClr val="24292F"/>
+                </a:solidFill>
+                <a:effectLst/>
+                <a:latin typeface="Consolas" panose="020B0609020204030204" pitchFamily="49" charset="0"/>
+              </a:rPr>
+              <a:t>-android</a:t>
+            </a:r>
+            <a:br>
+              <a:rPr lang="en-US" i="0" dirty="0">
+                <a:solidFill>
+                  <a:srgbClr val="24292F"/>
+                </a:solidFill>
+                <a:effectLst/>
+                <a:latin typeface="Consolas" panose="020B0609020204030204" pitchFamily="49" charset="0"/>
+              </a:rPr>
+            </a:br>
+            <a:r>
+              <a:rPr lang="en-US" i="0" dirty="0">
+                <a:solidFill>
+                  <a:srgbClr val="24292F"/>
+                </a:solidFill>
+                <a:effectLst/>
+                <a:latin typeface="Consolas" panose="020B0609020204030204" pitchFamily="49" charset="0"/>
+              </a:rPr>
+              <a:t>To install these workloads, run the following command: dotnet workload install </a:t>
+            </a:r>
+            <a:r>
+              <a:rPr lang="en-US" i="0" dirty="0" err="1">
+                <a:solidFill>
+                  <a:srgbClr val="24292F"/>
+                </a:solidFill>
+                <a:effectLst/>
+                <a:latin typeface="Consolas" panose="020B0609020204030204" pitchFamily="49" charset="0"/>
+              </a:rPr>
+              <a:t>maui</a:t>
+            </a:r>
+            <a:r>
+              <a:rPr lang="en-US" i="0" dirty="0">
+                <a:solidFill>
+                  <a:srgbClr val="24292F"/>
+                </a:solidFill>
+                <a:effectLst/>
+                <a:latin typeface="Consolas" panose="020B0609020204030204" pitchFamily="49" charset="0"/>
+              </a:rPr>
+              <a:t>-android</a:t>
+            </a:r>
+            <a:endParaRPr lang="en-US" dirty="0">
+              <a:latin typeface="Consolas" panose="020B0609020204030204" pitchFamily="49" charset="0"/>
+            </a:endParaRPr>
+          </a:p>
+        </p:txBody>
+      </p:sp>
+      <p:sp>
+        <p:nvSpPr>
+          <p:cNvPr id="4" name="Rectangle 2">
+            <a:extLst>
+              <a:ext uri="{FF2B5EF4-FFF2-40B4-BE49-F238E27FC236}">
+                <a16:creationId xmlns:a16="http://schemas.microsoft.com/office/drawing/2014/main" id="{8E77BD80-F3DC-4F2D-900F-F470203B3DE1}"/>
+              </a:ext>
+            </a:extLst>
+          </p:cNvPr>
+          <p:cNvSpPr>
+            <a:spLocks noChangeArrowheads="1"/>
+          </p:cNvSpPr>
+          <p:nvPr/>
+        </p:nvSpPr>
+        <p:spPr bwMode="auto">
+          <a:xfrm>
+            <a:off x="336136" y="4003616"/>
+            <a:ext cx="11519728" cy="1477328"/>
+          </a:xfrm>
+          <a:prstGeom prst="rect">
+            <a:avLst/>
+          </a:prstGeom>
+          <a:noFill/>
+          <a:ln>
+            <a:noFill/>
+          </a:ln>
+          <a:effectLst/>
+          <a:extLst>
+            <a:ext uri="{909E8E84-426E-40DD-AFC4-6F175D3DCCD1}">
+              <a14:hiddenFill xmlns:a14="http://schemas.microsoft.com/office/drawing/2010/main">
+                <a:solidFill>
+                  <a:schemeClr val="accent1"/>
+                </a:solidFill>
+              </a14:hiddenFill>
+            </a:ext>
+            <a:ext uri="{91240B29-F687-4F45-9708-019B960494DF}">
+              <a14:hiddenLine xmlns:a14="http://schemas.microsoft.com/office/drawing/2010/main" w="9525">
+                <a:solidFill>
+                  <a:schemeClr val="tx1"/>
+                </a:solidFill>
+                <a:miter lim="800000"/>
+                <a:headEnd/>
+                <a:tailEnd/>
+              </a14:hiddenLine>
+            </a:ext>
+            <a:ext uri="{AF507438-7753-43E0-B8FC-AC1667EBCBE1}">
+              <a14:hiddenEffects xmlns:a14="http://schemas.microsoft.com/office/drawing/2010/main">
+                <a:effectLst>
+                  <a:outerShdw dist="35921" dir="2700000" algn="ctr" rotWithShape="0">
+                    <a:schemeClr val="bg2"/>
+                  </a:outerShdw>
+                </a:effectLst>
+              </a14:hiddenEffects>
+            </a:ext>
+          </a:extLst>
+        </p:spPr>
+        <p:txBody>
+          <a:bodyPr vert="horz" wrap="square" lIns="0" tIns="0" rIns="0" bIns="0" numCol="1" anchor="ctr" anchorCtr="0" compatLnSpc="1">
+            <a:prstTxWarp prst="textNoShape">
+              <a:avLst/>
+            </a:prstTxWarp>
+            <a:spAutoFit/>
+          </a:bodyPr>
+          <a:lstStyle/>
+          <a:p>
+            <a:pPr marL="0" marR="0" lvl="0" indent="0" algn="l" defTabSz="914400" rtl="0" eaLnBrk="0" fontAlgn="base" latinLnBrk="0" hangingPunct="0">
+              <a:lnSpc>
+                <a:spcPct val="100000"/>
+              </a:lnSpc>
+              <a:spcBef>
+                <a:spcPct val="0"/>
+              </a:spcBef>
+              <a:spcAft>
+                <a:spcPct val="0"/>
+              </a:spcAft>
+              <a:buClrTx/>
+              <a:buSzTx/>
+              <a:buFontTx/>
+              <a:buNone/>
+              <a:tabLst/>
+            </a:pPr>
+            <a:r>
+              <a:rPr kumimoji="0" lang="en-US" altLang="en-US" sz="1600" b="0" i="0" u="none" strike="noStrike" cap="none" normalizeH="0" baseline="0" dirty="0">
+                <a:ln>
+                  <a:noFill/>
+                </a:ln>
+                <a:solidFill>
+                  <a:srgbClr val="24292F"/>
+                </a:solidFill>
+                <a:effectLst/>
+                <a:latin typeface="Consolas" panose="020B0609020204030204" pitchFamily="49" charset="0"/>
+              </a:rPr>
+              <a:t>dotnet workload install </a:t>
+            </a:r>
+            <a:r>
+              <a:rPr kumimoji="0" lang="en-US" altLang="en-US" sz="1600" b="0" i="0" u="none" strike="noStrike" cap="none" normalizeH="0" baseline="0" dirty="0" err="1">
+                <a:ln>
+                  <a:noFill/>
+                </a:ln>
+                <a:solidFill>
+                  <a:srgbClr val="24292F"/>
+                </a:solidFill>
+                <a:effectLst/>
+                <a:latin typeface="Consolas" panose="020B0609020204030204" pitchFamily="49" charset="0"/>
+              </a:rPr>
+              <a:t>maui</a:t>
+            </a:r>
+            <a:r>
+              <a:rPr kumimoji="0" lang="en-US" altLang="en-US" sz="1600" b="0" i="0" u="none" strike="noStrike" cap="none" normalizeH="0" baseline="0" dirty="0">
+                <a:ln>
+                  <a:noFill/>
+                </a:ln>
+                <a:solidFill>
+                  <a:srgbClr val="24292F"/>
+                </a:solidFill>
+                <a:effectLst/>
+                <a:latin typeface="Consolas" panose="020B0609020204030204" pitchFamily="49" charset="0"/>
+              </a:rPr>
+              <a:t>  --from-rollback-file https://aka.ms/dotnet/maui/main.json  --source https://pkgs.dev.azure.com/dnceng/public/_packaging/darc-pub-dotnet-runtime-bd261ea4/nuget/v3/index.json  --source https://pkgs.dev.azure.com/dnceng/public/_packaging/darc-pub-dotnet-emsdk-52e9452f-3/nuget/v3/index.json  --source https://pkgs.dev.azure.com/dnceng/public/_packaging/dotnet6/nuget/v3/index.json  --source https://api.nuget.org/v3/index.json</a:t>
+            </a:r>
+            <a:r>
+              <a:rPr kumimoji="0" lang="en-US" altLang="en-US" sz="1400" b="0" i="0" u="none" strike="noStrike" cap="none" normalizeH="0" baseline="0" dirty="0">
+                <a:ln>
+                  <a:noFill/>
+                </a:ln>
+                <a:solidFill>
+                  <a:schemeClr val="tx1"/>
+                </a:solidFill>
+                <a:effectLst/>
+                <a:latin typeface="Consolas" panose="020B0609020204030204" pitchFamily="49" charset="0"/>
+              </a:rPr>
+              <a:t> </a:t>
+            </a:r>
+            <a:endParaRPr kumimoji="0" lang="en-US" altLang="en-US" sz="4000" b="0" i="0" u="none" strike="noStrike" cap="none" normalizeH="0" baseline="0" dirty="0">
+              <a:ln>
+                <a:noFill/>
+              </a:ln>
+              <a:solidFill>
+                <a:schemeClr val="tx1"/>
+              </a:solidFill>
+              <a:effectLst/>
+              <a:latin typeface="Consolas" panose="020B0609020204030204" pitchFamily="49" charset="0"/>
+            </a:endParaRPr>
+          </a:p>
+        </p:txBody>
+      </p:sp>
+    </p:spTree>
+    <p:extLst>
+      <p:ext uri="{BB962C8B-B14F-4D97-AF65-F5344CB8AC3E}">
+        <p14:creationId xmlns:p14="http://schemas.microsoft.com/office/powerpoint/2010/main" val="1113948976"/>
+      </p:ext>
+    </p:extLst>
+  </p:cSld>
+  <p:clrMapOvr>
+    <a:masterClrMapping/>
+  </p:clrMapOvr>
+  <p:timing>
+    <p:tnLst>
+      <p:par>
+        <p:cTn id="1" dur="indefinite" restart="never" nodeType="tmRoot">
+          <p:childTnLst>
+            <p:seq concurrent="1" nextAc="seek">
+              <p:cTn id="2" dur="indefinite" nodeType="mainSeq">
+                <p:childTnLst>
+                  <p:par>
+                    <p:cTn id="3" fill="hold">
+                      <p:stCondLst>
+                        <p:cond delay="indefinite"/>
+                        <p:cond evt="onBegin" delay="0">
+                          <p:tn val="2"/>
+                        </p:cond>
+                      </p:stCondLst>
+                      <p:childTnLst>
+                        <p:par>
+                          <p:cTn id="4" fill="hold">
+                            <p:stCondLst>
+                              <p:cond delay="0"/>
+                            </p:stCondLst>
+                            <p:childTnLst>
+                              <p:par>
+                                <p:cTn id="5" presetID="10" presetClass="entr" presetSubtype="0" fill="hold" grpId="0" nodeType="afterEffect">
+                                  <p:stCondLst>
+                                    <p:cond delay="0"/>
+                                  </p:stCondLst>
+                                  <p:childTnLst>
+                                    <p:set>
+                                      <p:cBhvr>
+                                        <p:cTn id="6" dur="1" fill="hold">
+                                          <p:stCondLst>
+                                            <p:cond delay="0"/>
+                                          </p:stCondLst>
+                                        </p:cTn>
+                                        <p:tgtEl>
+                                          <p:spTgt spid="11">
+                                            <p:txEl>
+                                              <p:pRg st="0" end="0"/>
+                                            </p:txEl>
+                                          </p:spTgt>
+                                        </p:tgtEl>
+                                        <p:attrNameLst>
+                                          <p:attrName>style.visibility</p:attrName>
+                                        </p:attrNameLst>
+                                      </p:cBhvr>
+                                      <p:to>
+                                        <p:strVal val="visible"/>
+                                      </p:to>
+                                    </p:set>
+                                    <p:animEffect transition="in" filter="fade">
+                                      <p:cBhvr>
+                                        <p:cTn id="7" dur="500"/>
+                                        <p:tgtEl>
+                                          <p:spTgt spid="11">
+                                            <p:txEl>
+                                              <p:pRg st="0" end="0"/>
+                                            </p:txEl>
+                                          </p:spTgt>
+                                        </p:tgtEl>
+                                      </p:cBhvr>
+                                    </p:animEffect>
+                                  </p:childTnLst>
+                                </p:cTn>
+                              </p:par>
+                            </p:childTnLst>
+                          </p:cTn>
+                        </p:par>
+                      </p:childTnLst>
+                    </p:cTn>
+                  </p:par>
+                  <p:par>
+                    <p:cTn id="8" fill="hold">
+                      <p:stCondLst>
+                        <p:cond delay="indefinite"/>
+                      </p:stCondLst>
+                      <p:childTnLst>
+                        <p:par>
+                          <p:cTn id="9" fill="hold">
+                            <p:stCondLst>
+                              <p:cond delay="0"/>
+                            </p:stCondLst>
+                            <p:childTnLst>
+                              <p:par>
+                                <p:cTn id="10" presetID="10" presetClass="entr" presetSubtype="0" fill="hold" grpId="0" nodeType="clickEffect">
+                                  <p:stCondLst>
+                                    <p:cond delay="0"/>
+                                  </p:stCondLst>
+                                  <p:childTnLst>
+                                    <p:set>
+                                      <p:cBhvr>
+                                        <p:cTn id="11" dur="1" fill="hold">
+                                          <p:stCondLst>
+                                            <p:cond delay="0"/>
+                                          </p:stCondLst>
+                                        </p:cTn>
+                                        <p:tgtEl>
+                                          <p:spTgt spid="11">
+                                            <p:txEl>
+                                              <p:pRg st="6" end="6"/>
+                                            </p:txEl>
+                                          </p:spTgt>
+                                        </p:tgtEl>
+                                        <p:attrNameLst>
+                                          <p:attrName>style.visibility</p:attrName>
+                                        </p:attrNameLst>
+                                      </p:cBhvr>
+                                      <p:to>
+                                        <p:strVal val="visible"/>
+                                      </p:to>
+                                    </p:set>
+                                    <p:animEffect transition="in" filter="fade">
+                                      <p:cBhvr>
+                                        <p:cTn id="12" dur="500"/>
+                                        <p:tgtEl>
+                                          <p:spTgt spid="11">
+                                            <p:txEl>
+                                              <p:pRg st="6" end="6"/>
+                                            </p:txEl>
+                                          </p:spTgt>
+                                        </p:tgtEl>
+                                      </p:cBhvr>
+                                    </p:animEffect>
+                                  </p:childTnLst>
+                                </p:cTn>
+                              </p:par>
+                            </p:childTnLst>
+                          </p:cTn>
+                        </p:par>
+                        <p:par>
+                          <p:cTn id="13" fill="hold">
+                            <p:stCondLst>
+                              <p:cond delay="500"/>
+                            </p:stCondLst>
+                            <p:childTnLst>
+                              <p:par>
+                                <p:cTn id="14" presetID="10" presetClass="entr" presetSubtype="0" fill="hold" grpId="0" nodeType="afterEffect">
+                                  <p:stCondLst>
+                                    <p:cond delay="0"/>
+                                  </p:stCondLst>
+                                  <p:childTnLst>
+                                    <p:set>
+                                      <p:cBhvr>
+                                        <p:cTn id="15" dur="1" fill="hold">
+                                          <p:stCondLst>
+                                            <p:cond delay="0"/>
+                                          </p:stCondLst>
+                                        </p:cTn>
+                                        <p:tgtEl>
+                                          <p:spTgt spid="27"/>
+                                        </p:tgtEl>
+                                        <p:attrNameLst>
+                                          <p:attrName>style.visibility</p:attrName>
+                                        </p:attrNameLst>
+                                      </p:cBhvr>
+                                      <p:to>
+                                        <p:strVal val="visible"/>
+                                      </p:to>
+                                    </p:set>
+                                    <p:animEffect transition="in" filter="fade">
+                                      <p:cBhvr>
+                                        <p:cTn id="16" dur="500"/>
+                                        <p:tgtEl>
+                                          <p:spTgt spid="27"/>
+                                        </p:tgtEl>
+                                      </p:cBhvr>
+                                    </p:animEffect>
+                                  </p:childTnLst>
+                                </p:cTn>
+                              </p:par>
+                              <p:par>
+                                <p:cTn id="17" presetID="42" presetClass="path" presetSubtype="0" decel="100000" fill="hold" grpId="1" nodeType="withEffect">
+                                  <p:stCondLst>
+                                    <p:cond delay="0"/>
+                                  </p:stCondLst>
+                                  <p:childTnLst>
+                                    <p:animMotion origin="layout" path="M 0 4.44444E-6 L 0 0.03287 " pathEditMode="relative" rAng="0" ptsTypes="AA">
+                                      <p:cBhvr>
+                                        <p:cTn id="18" dur="500" spd="-100000" fill="hold"/>
+                                        <p:tgtEl>
+                                          <p:spTgt spid="27"/>
+                                        </p:tgtEl>
+                                        <p:attrNameLst>
+                                          <p:attrName>ppt_x</p:attrName>
+                                          <p:attrName>ppt_y</p:attrName>
+                                        </p:attrNameLst>
+                                      </p:cBhvr>
+                                      <p:rCtr x="0" y="1644"/>
+                                    </p:animMotion>
+                                  </p:childTnLst>
+                                </p:cTn>
+                              </p:par>
+                            </p:childTnLst>
+                          </p:cTn>
+                        </p:par>
+                      </p:childTnLst>
+                    </p:cTn>
+                  </p:par>
+                </p:childTnLst>
+              </p:cTn>
+              <p:prevCondLst>
+                <p:cond evt="onPrev" delay="0">
+                  <p:tgtEl>
+                    <p:sldTgt/>
+                  </p:tgtEl>
+                </p:cond>
+              </p:prevCondLst>
+              <p:nextCondLst>
+                <p:cond evt="onNext" delay="0">
+                  <p:tgtEl>
+                    <p:sldTgt/>
+                  </p:tgtEl>
+                </p:cond>
+              </p:nextCondLst>
+            </p:seq>
+          </p:childTnLst>
+        </p:cTn>
+      </p:par>
+    </p:tnLst>
+    <p:bldLst>
+      <p:bldP spid="11" grpId="0" uiExpand="1" build="p"/>
+      <p:bldP spid="27" grpId="0"/>
+      <p:bldP spid="27" grpId="1"/>
+    </p:bldLst>
+  </p:timing>
+</p:sld>
+</file>
+
+<file path=ppt/slides/slide4.xml><?xml version="1.0" encoding="utf-8"?>
+<p:sld xmlns:a="http://schemas.openxmlformats.org/drawingml/2006/main" xmlns:r="http://schemas.openxmlformats.org/officeDocument/2006/relationships" xmlns:p="http://schemas.openxmlformats.org/presentationml/2006/main">
+  <p:cSld>
+    <p:spTree>
+      <p:nvGrpSpPr>
+        <p:cNvPr id="1" name=""/>
+        <p:cNvGrpSpPr/>
+        <p:nvPr/>
+      </p:nvGrpSpPr>
+      <p:grpSpPr>
+        <a:xfrm>
+          <a:off x="0" y="0"/>
+          <a:ext cx="0" cy="0"/>
+          <a:chOff x="0" y="0"/>
+          <a:chExt cx="0" cy="0"/>
+        </a:xfrm>
+      </p:grpSpPr>
+      <p:sp>
+        <p:nvSpPr>
+          <p:cNvPr id="11" name="TextBox 10">
+            <a:extLst>
+              <a:ext uri="{FF2B5EF4-FFF2-40B4-BE49-F238E27FC236}">
+                <a16:creationId xmlns:a16="http://schemas.microsoft.com/office/drawing/2014/main" id="{C0E7814F-772A-488B-9829-94D3C5B349DF}"/>
+              </a:ext>
+            </a:extLst>
+          </p:cNvPr>
+          <p:cNvSpPr txBox="1"/>
+          <p:nvPr/>
+        </p:nvSpPr>
+        <p:spPr>
+          <a:xfrm>
+            <a:off x="269240" y="1257641"/>
+            <a:ext cx="11655840" cy="707886"/>
+          </a:xfrm>
+          <a:prstGeom prst="rect">
+            <a:avLst/>
+          </a:prstGeom>
+          <a:noFill/>
+        </p:spPr>
+        <p:txBody>
+          <a:bodyPr wrap="square">
+            <a:spAutoFit/>
+          </a:bodyPr>
+          <a:lstStyle/>
+          <a:p>
+            <a:pPr marL="0" marR="0" lvl="0" indent="0" algn="l" defTabSz="914400" rtl="0" eaLnBrk="1" fontAlgn="auto" latinLnBrk="0" hangingPunct="1">
+              <a:lnSpc>
+                <a:spcPct val="100000"/>
+              </a:lnSpc>
+              <a:spcBef>
+                <a:spcPts val="0"/>
+              </a:spcBef>
+              <a:spcAft>
+                <a:spcPts val="0"/>
+              </a:spcAft>
+              <a:buClrTx/>
+              <a:buSzTx/>
+              <a:buFontTx/>
+              <a:buNone/>
+              <a:tabLst/>
+              <a:defRPr/>
+            </a:pPr>
+            <a:r>
+              <a:rPr lang="es-ES" sz="2000" dirty="0">
+                <a:latin typeface="Open Sans" panose="020B0606030504020204" pitchFamily="34" charset="0"/>
+                <a:ea typeface="Open Sans" panose="020B0606030504020204" pitchFamily="34" charset="0"/>
+                <a:cs typeface="Open Sans" panose="020B0606030504020204" pitchFamily="34" charset="0"/>
+              </a:rPr>
+              <a:t>También es posible usar un script que usamos en el equipo de .NET MAUI que automatiza los pasos anteriores: instala .NET, instala los </a:t>
+            </a:r>
+            <a:r>
+              <a:rPr lang="es-ES" sz="2000" dirty="0" err="1">
+                <a:latin typeface="Open Sans" panose="020B0606030504020204" pitchFamily="34" charset="0"/>
+                <a:ea typeface="Open Sans" panose="020B0606030504020204" pitchFamily="34" charset="0"/>
+                <a:cs typeface="Open Sans" panose="020B0606030504020204" pitchFamily="34" charset="0"/>
+              </a:rPr>
+              <a:t>workloads</a:t>
+            </a:r>
+            <a:r>
+              <a:rPr lang="es-ES" sz="2000" dirty="0">
+                <a:latin typeface="Open Sans" panose="020B0606030504020204" pitchFamily="34" charset="0"/>
+                <a:ea typeface="Open Sans" panose="020B0606030504020204" pitchFamily="34" charset="0"/>
+                <a:cs typeface="Open Sans" panose="020B0606030504020204" pitchFamily="34" charset="0"/>
+              </a:rPr>
+              <a:t> adecuados, etc.</a:t>
+            </a:r>
+            <a:endParaRPr kumimoji="0" lang="es-ES" sz="2000" b="0" i="0" u="none" strike="noStrike" kern="1200" cap="none" spc="0" normalizeH="0" baseline="0" noProof="0" dirty="0">
+              <a:ln>
+                <a:noFill/>
+              </a:ln>
+              <a:effectLst/>
+              <a:uLnTx/>
+              <a:uFillTx/>
+              <a:latin typeface="Open Sans" panose="020B0606030504020204" pitchFamily="34" charset="0"/>
+              <a:ea typeface="Open Sans" panose="020B0606030504020204" pitchFamily="34" charset="0"/>
+              <a:cs typeface="Open Sans" panose="020B0606030504020204" pitchFamily="34" charset="0"/>
+            </a:endParaRPr>
+          </a:p>
+        </p:txBody>
+      </p:sp>
+      <p:sp>
+        <p:nvSpPr>
+          <p:cNvPr id="6" name="Title 5">
+            <a:extLst>
+              <a:ext uri="{FF2B5EF4-FFF2-40B4-BE49-F238E27FC236}">
+                <a16:creationId xmlns:a16="http://schemas.microsoft.com/office/drawing/2014/main" id="{7C376708-27FB-47AF-ABE1-2D622AC8ED83}"/>
+              </a:ext>
+            </a:extLst>
+          </p:cNvPr>
+          <p:cNvSpPr>
+            <a:spLocks noGrp="1"/>
+          </p:cNvSpPr>
+          <p:nvPr>
+            <p:ph type="title"/>
+          </p:nvPr>
+        </p:nvSpPr>
+        <p:spPr/>
+        <p:txBody>
+          <a:bodyPr>
+            <a:normAutofit/>
+          </a:bodyPr>
+          <a:lstStyle/>
+          <a:p>
+            <a:r>
+              <a:rPr lang="es-ES" sz="3600" dirty="0"/>
+              <a:t>Problemas más comunes</a:t>
+            </a:r>
+            <a:endParaRPr lang="en-US" sz="3600" dirty="0"/>
+          </a:p>
+        </p:txBody>
+      </p:sp>
+      <p:sp>
+        <p:nvSpPr>
+          <p:cNvPr id="27" name="TextBox 26">
+            <a:extLst>
+              <a:ext uri="{FF2B5EF4-FFF2-40B4-BE49-F238E27FC236}">
+                <a16:creationId xmlns:a16="http://schemas.microsoft.com/office/drawing/2014/main" id="{E6899861-F3C8-435F-842F-0D4F0330DE36}"/>
+              </a:ext>
+            </a:extLst>
+          </p:cNvPr>
+          <p:cNvSpPr txBox="1"/>
+          <p:nvPr/>
+        </p:nvSpPr>
+        <p:spPr>
+          <a:xfrm>
+            <a:off x="1761461" y="6271276"/>
+            <a:ext cx="8669078" cy="221599"/>
+          </a:xfrm>
+          <a:prstGeom prst="rect">
+            <a:avLst/>
+          </a:prstGeom>
+          <a:noFill/>
+        </p:spPr>
+        <p:txBody>
+          <a:bodyPr wrap="square" lIns="0" tIns="0" rIns="0" bIns="0" rtlCol="0">
+            <a:spAutoFit/>
+          </a:bodyPr>
+          <a:lstStyle/>
+          <a:p>
+            <a:pPr lvl="0" algn="ctr">
+              <a:lnSpc>
+                <a:spcPct val="90000"/>
+              </a:lnSpc>
+              <a:spcAft>
+                <a:spcPts val="600"/>
+              </a:spcAft>
+              <a:tabLst>
+                <a:tab pos="5380038" algn="l"/>
+              </a:tabLst>
+              <a:defRPr/>
+            </a:pPr>
+            <a:r>
+              <a:rPr lang="en-US" sz="1600" b="1" dirty="0">
+                <a:solidFill>
+                  <a:schemeClr val="accent3">
+                    <a:lumMod val="75000"/>
+                  </a:schemeClr>
+                </a:solidFill>
+                <a:latin typeface="Open Sans" panose="020B0606030504020204" pitchFamily="34" charset="0"/>
+                <a:ea typeface="Open Sans" panose="020B0606030504020204" pitchFamily="34" charset="0"/>
+                <a:cs typeface="Open Sans" panose="020B0606030504020204" pitchFamily="34" charset="0"/>
+              </a:rPr>
+              <a:t>https://github.com/dotnet/maui/blob/main/.github/DEVELOPMENT.md</a:t>
+            </a:r>
+            <a:endParaRPr kumimoji="0" lang="en-US" sz="1600" b="1" i="0" u="none" strike="noStrike" kern="1200" cap="none" spc="0" normalizeH="0" baseline="0" noProof="0" dirty="0">
+              <a:ln>
+                <a:noFill/>
+              </a:ln>
+              <a:solidFill>
+                <a:schemeClr val="accent3">
+                  <a:lumMod val="75000"/>
+                </a:schemeClr>
+              </a:solidFill>
+              <a:effectLst/>
+              <a:highlight>
+                <a:srgbClr val="FFFF00"/>
+              </a:highlight>
+              <a:uLnTx/>
+              <a:uFillTx/>
+              <a:latin typeface="Open Sans" panose="020B0606030504020204" pitchFamily="34" charset="0"/>
+              <a:ea typeface="Open Sans" panose="020B0606030504020204" pitchFamily="34" charset="0"/>
+              <a:cs typeface="Open Sans" panose="020B0606030504020204" pitchFamily="34" charset="0"/>
+            </a:endParaRPr>
+          </a:p>
+        </p:txBody>
+      </p:sp>
+      <p:sp>
+        <p:nvSpPr>
+          <p:cNvPr id="4" name="Rectangle 2">
+            <a:extLst>
+              <a:ext uri="{FF2B5EF4-FFF2-40B4-BE49-F238E27FC236}">
+                <a16:creationId xmlns:a16="http://schemas.microsoft.com/office/drawing/2014/main" id="{8E77BD80-F3DC-4F2D-900F-F470203B3DE1}"/>
+              </a:ext>
+            </a:extLst>
+          </p:cNvPr>
+          <p:cNvSpPr>
+            <a:spLocks noChangeArrowheads="1"/>
+          </p:cNvSpPr>
+          <p:nvPr/>
+        </p:nvSpPr>
+        <p:spPr bwMode="auto">
+          <a:xfrm>
+            <a:off x="269240" y="2686113"/>
+            <a:ext cx="11519728" cy="492443"/>
+          </a:xfrm>
+          <a:prstGeom prst="rect">
+            <a:avLst/>
+          </a:prstGeom>
+          <a:noFill/>
+          <a:ln>
+            <a:noFill/>
+          </a:ln>
+          <a:effectLst/>
+          <a:extLst>
+            <a:ext uri="{909E8E84-426E-40DD-AFC4-6F175D3DCCD1}">
+              <a14:hiddenFill xmlns:a14="http://schemas.microsoft.com/office/drawing/2010/main">
+                <a:solidFill>
+                  <a:schemeClr val="accent1"/>
+                </a:solidFill>
+              </a14:hiddenFill>
+            </a:ext>
+            <a:ext uri="{91240B29-F687-4F45-9708-019B960494DF}">
+              <a14:hiddenLine xmlns:a14="http://schemas.microsoft.com/office/drawing/2010/main" w="9525">
+                <a:solidFill>
+                  <a:schemeClr val="tx1"/>
+                </a:solidFill>
+                <a:miter lim="800000"/>
+                <a:headEnd/>
+                <a:tailEnd/>
+              </a14:hiddenLine>
+            </a:ext>
+            <a:ext uri="{AF507438-7753-43E0-B8FC-AC1667EBCBE1}">
+              <a14:hiddenEffects xmlns:a14="http://schemas.microsoft.com/office/drawing/2010/main">
+                <a:effectLst>
+                  <a:outerShdw dist="35921" dir="2700000" algn="ctr" rotWithShape="0">
+                    <a:schemeClr val="bg2"/>
+                  </a:outerShdw>
+                </a:effectLst>
+              </a14:hiddenEffects>
+            </a:ext>
+          </a:extLst>
+        </p:spPr>
+        <p:txBody>
+          <a:bodyPr vert="horz" wrap="square" lIns="0" tIns="0" rIns="0" bIns="0" numCol="1" anchor="ctr" anchorCtr="0" compatLnSpc="1">
+            <a:prstTxWarp prst="textNoShape">
+              <a:avLst/>
+            </a:prstTxWarp>
+            <a:spAutoFit/>
+          </a:bodyPr>
+          <a:lstStyle/>
+          <a:p>
+            <a:pPr marL="0" marR="0" lvl="0" indent="0" algn="l" defTabSz="914400" rtl="0" eaLnBrk="0" fontAlgn="base" latinLnBrk="0" hangingPunct="0">
+              <a:lnSpc>
+                <a:spcPct val="100000"/>
+              </a:lnSpc>
+              <a:spcBef>
+                <a:spcPct val="0"/>
+              </a:spcBef>
+              <a:spcAft>
+                <a:spcPct val="0"/>
+              </a:spcAft>
+              <a:buClrTx/>
+              <a:buSzTx/>
+              <a:buFontTx/>
+              <a:buNone/>
+              <a:tabLst/>
+            </a:pPr>
+            <a:r>
+              <a:rPr kumimoji="0" lang="en-US" altLang="en-US" sz="1600" b="0" i="0" u="none" strike="noStrike" cap="none" normalizeH="0" baseline="0" dirty="0" err="1">
+                <a:ln>
+                  <a:noFill/>
+                </a:ln>
+                <a:solidFill>
+                  <a:srgbClr val="24292F"/>
+                </a:solidFill>
+                <a:effectLst/>
+                <a:latin typeface="Consolas" panose="020B0609020204030204" pitchFamily="49" charset="0"/>
+              </a:rPr>
+              <a:t>iwr</a:t>
+            </a:r>
+            <a:r>
+              <a:rPr kumimoji="0" lang="en-US" altLang="en-US" sz="1600" b="0" i="0" u="none" strike="noStrike" cap="none" normalizeH="0" baseline="0" dirty="0">
+                <a:ln>
+                  <a:noFill/>
+                </a:ln>
+                <a:solidFill>
+                  <a:srgbClr val="24292F"/>
+                </a:solidFill>
+                <a:effectLst/>
+                <a:latin typeface="Consolas" panose="020B0609020204030204" pitchFamily="49" charset="0"/>
+              </a:rPr>
+              <a:t> https://aka.ms/dotnet/maui/maui-install.ps1 -</a:t>
+            </a:r>
+            <a:r>
+              <a:rPr kumimoji="0" lang="en-US" altLang="en-US" sz="1600" b="0" i="0" u="none" strike="noStrike" cap="none" normalizeH="0" baseline="0" dirty="0" err="1">
+                <a:ln>
+                  <a:noFill/>
+                </a:ln>
+                <a:solidFill>
+                  <a:srgbClr val="24292F"/>
+                </a:solidFill>
+                <a:effectLst/>
+                <a:latin typeface="Consolas" panose="020B0609020204030204" pitchFamily="49" charset="0"/>
+              </a:rPr>
+              <a:t>OutFile</a:t>
+            </a:r>
+            <a:r>
+              <a:rPr kumimoji="0" lang="en-US" altLang="en-US" sz="1600" b="0" i="0" u="none" strike="noStrike" cap="none" normalizeH="0" baseline="0" dirty="0">
+                <a:ln>
+                  <a:noFill/>
+                </a:ln>
+                <a:solidFill>
+                  <a:srgbClr val="24292F"/>
+                </a:solidFill>
+                <a:effectLst/>
+                <a:latin typeface="Consolas" panose="020B0609020204030204" pitchFamily="49" charset="0"/>
+              </a:rPr>
+              <a:t> maui-install.ps1;</a:t>
+            </a:r>
+          </a:p>
+          <a:p>
+            <a:pPr marL="0" marR="0" lvl="0" indent="0" algn="l" defTabSz="914400" rtl="0" eaLnBrk="0" fontAlgn="base" latinLnBrk="0" hangingPunct="0">
+              <a:lnSpc>
+                <a:spcPct val="100000"/>
+              </a:lnSpc>
+              <a:spcBef>
+                <a:spcPct val="0"/>
+              </a:spcBef>
+              <a:spcAft>
+                <a:spcPct val="0"/>
+              </a:spcAft>
+              <a:buClrTx/>
+              <a:buSzTx/>
+              <a:buFontTx/>
+              <a:buNone/>
+              <a:tabLst/>
+            </a:pPr>
+            <a:r>
+              <a:rPr kumimoji="0" lang="en-US" altLang="en-US" sz="1600" b="0" i="0" u="none" strike="noStrike" cap="none" normalizeH="0" baseline="0" dirty="0">
+                <a:ln>
+                  <a:noFill/>
+                </a:ln>
+                <a:solidFill>
+                  <a:srgbClr val="24292F"/>
+                </a:solidFill>
+                <a:effectLst/>
+                <a:latin typeface="Consolas" panose="020B0609020204030204" pitchFamily="49" charset="0"/>
+              </a:rPr>
+              <a:t>.\maui-install.ps1 -b 'release/6.0.2xx-preview14' -v '6.0.200-preview'</a:t>
+            </a:r>
+            <a:endParaRPr kumimoji="0" lang="en-US" altLang="en-US" sz="4000" b="0" i="0" u="none" strike="noStrike" cap="none" normalizeH="0" baseline="0" dirty="0">
+              <a:ln>
+                <a:noFill/>
+              </a:ln>
+              <a:solidFill>
+                <a:schemeClr val="tx1"/>
+              </a:solidFill>
+              <a:effectLst/>
+              <a:latin typeface="Consolas" panose="020B0609020204030204" pitchFamily="49" charset="0"/>
+            </a:endParaRPr>
+          </a:p>
+        </p:txBody>
+      </p:sp>
+      <p:sp>
+        <p:nvSpPr>
+          <p:cNvPr id="8" name="Rectangle 2">
+            <a:extLst>
+              <a:ext uri="{FF2B5EF4-FFF2-40B4-BE49-F238E27FC236}">
+                <a16:creationId xmlns:a16="http://schemas.microsoft.com/office/drawing/2014/main" id="{B6A17D3B-03E9-43E4-996B-549B76B79306}"/>
+              </a:ext>
+            </a:extLst>
+          </p:cNvPr>
+          <p:cNvSpPr>
+            <a:spLocks noChangeArrowheads="1"/>
+          </p:cNvSpPr>
+          <p:nvPr/>
+        </p:nvSpPr>
+        <p:spPr bwMode="auto">
+          <a:xfrm>
+            <a:off x="269240" y="3789453"/>
+            <a:ext cx="11519728" cy="492443"/>
+          </a:xfrm>
+          <a:prstGeom prst="rect">
+            <a:avLst/>
+          </a:prstGeom>
+          <a:noFill/>
+          <a:ln>
+            <a:noFill/>
+          </a:ln>
+          <a:effectLst/>
+          <a:extLst>
+            <a:ext uri="{909E8E84-426E-40DD-AFC4-6F175D3DCCD1}">
+              <a14:hiddenFill xmlns:a14="http://schemas.microsoft.com/office/drawing/2010/main">
+                <a:solidFill>
+                  <a:schemeClr val="accent1"/>
+                </a:solidFill>
+              </a14:hiddenFill>
+            </a:ext>
+            <a:ext uri="{91240B29-F687-4F45-9708-019B960494DF}">
+              <a14:hiddenLine xmlns:a14="http://schemas.microsoft.com/office/drawing/2010/main" w="9525">
+                <a:solidFill>
+                  <a:schemeClr val="tx1"/>
+                </a:solidFill>
+                <a:miter lim="800000"/>
+                <a:headEnd/>
+                <a:tailEnd/>
+              </a14:hiddenLine>
+            </a:ext>
+            <a:ext uri="{AF507438-7753-43E0-B8FC-AC1667EBCBE1}">
+              <a14:hiddenEffects xmlns:a14="http://schemas.microsoft.com/office/drawing/2010/main">
+                <a:effectLst>
+                  <a:outerShdw dist="35921" dir="2700000" algn="ctr" rotWithShape="0">
+                    <a:schemeClr val="bg2"/>
+                  </a:outerShdw>
+                </a:effectLst>
+              </a14:hiddenEffects>
+            </a:ext>
+          </a:extLst>
+        </p:spPr>
+        <p:txBody>
+          <a:bodyPr vert="horz" wrap="square" lIns="0" tIns="0" rIns="0" bIns="0" numCol="1" anchor="ctr" anchorCtr="0" compatLnSpc="1">
+            <a:prstTxWarp prst="textNoShape">
+              <a:avLst/>
+            </a:prstTxWarp>
+            <a:spAutoFit/>
+          </a:bodyPr>
+          <a:lstStyle/>
+          <a:p>
+            <a:pPr marL="0" marR="0" lvl="0" indent="0" algn="l" defTabSz="914400" rtl="0" eaLnBrk="0" fontAlgn="base" latinLnBrk="0" hangingPunct="0">
+              <a:lnSpc>
+                <a:spcPct val="100000"/>
+              </a:lnSpc>
+              <a:spcBef>
+                <a:spcPct val="0"/>
+              </a:spcBef>
+              <a:spcAft>
+                <a:spcPct val="0"/>
+              </a:spcAft>
+              <a:buClrTx/>
+              <a:buSzTx/>
+              <a:buFontTx/>
+              <a:buNone/>
+              <a:tabLst/>
+            </a:pPr>
+            <a:r>
+              <a:rPr kumimoji="0" lang="en-US" altLang="en-US" sz="1600" b="0" i="0" u="none" strike="noStrike" cap="none" normalizeH="0" baseline="0" dirty="0">
+                <a:ln>
+                  <a:noFill/>
+                </a:ln>
+                <a:solidFill>
+                  <a:srgbClr val="24292F"/>
+                </a:solidFill>
+                <a:effectLst/>
+                <a:latin typeface="Consolas" panose="020B0609020204030204" pitchFamily="49" charset="0"/>
+              </a:rPr>
+              <a:t>curl -O -L https://aka.ms/dotnet/maui/maui-install.ps1</a:t>
+            </a:r>
+          </a:p>
+          <a:p>
+            <a:pPr marL="0" marR="0" lvl="0" indent="0" algn="l" defTabSz="914400" rtl="0" eaLnBrk="0" fontAlgn="base" latinLnBrk="0" hangingPunct="0">
+              <a:lnSpc>
+                <a:spcPct val="100000"/>
+              </a:lnSpc>
+              <a:spcBef>
+                <a:spcPct val="0"/>
+              </a:spcBef>
+              <a:spcAft>
+                <a:spcPct val="0"/>
+              </a:spcAft>
+              <a:buClrTx/>
+              <a:buSzTx/>
+              <a:buFontTx/>
+              <a:buNone/>
+              <a:tabLst/>
+            </a:pPr>
+            <a:r>
+              <a:rPr kumimoji="0" lang="en-US" altLang="en-US" sz="1600" b="0" i="0" u="none" strike="noStrike" cap="none" normalizeH="0" baseline="0" dirty="0" err="1">
+                <a:ln>
+                  <a:noFill/>
+                </a:ln>
+                <a:solidFill>
+                  <a:srgbClr val="24292F"/>
+                </a:solidFill>
+                <a:effectLst/>
+                <a:latin typeface="Consolas" panose="020B0609020204030204" pitchFamily="49" charset="0"/>
+              </a:rPr>
+              <a:t>sudo</a:t>
+            </a:r>
+            <a:r>
+              <a:rPr kumimoji="0" lang="en-US" altLang="en-US" sz="1600" b="0" i="0" u="none" strike="noStrike" cap="none" normalizeH="0" baseline="0" dirty="0">
+                <a:ln>
+                  <a:noFill/>
+                </a:ln>
+                <a:solidFill>
+                  <a:srgbClr val="24292F"/>
+                </a:solidFill>
+                <a:effectLst/>
+                <a:latin typeface="Consolas" panose="020B0609020204030204" pitchFamily="49" charset="0"/>
+              </a:rPr>
+              <a:t> </a:t>
+            </a:r>
+            <a:r>
+              <a:rPr kumimoji="0" lang="en-US" altLang="en-US" sz="1600" b="0" i="0" u="none" strike="noStrike" cap="none" normalizeH="0" baseline="0" dirty="0" err="1">
+                <a:ln>
+                  <a:noFill/>
+                </a:ln>
+                <a:solidFill>
+                  <a:srgbClr val="24292F"/>
+                </a:solidFill>
+                <a:effectLst/>
+                <a:latin typeface="Consolas" panose="020B0609020204030204" pitchFamily="49" charset="0"/>
+              </a:rPr>
+              <a:t>pwsh</a:t>
+            </a:r>
+            <a:r>
+              <a:rPr kumimoji="0" lang="en-US" altLang="en-US" sz="1600" b="0" i="0" u="none" strike="noStrike" cap="none" normalizeH="0" baseline="0" dirty="0">
+                <a:ln>
+                  <a:noFill/>
+                </a:ln>
+                <a:solidFill>
+                  <a:srgbClr val="24292F"/>
+                </a:solidFill>
+                <a:effectLst/>
+                <a:latin typeface="Consolas" panose="020B0609020204030204" pitchFamily="49" charset="0"/>
+              </a:rPr>
+              <a:t> -File ./maui-install.ps1 -b 'release/6.0.2xx-preview14' -v '6.0.200-preview'</a:t>
+            </a:r>
+            <a:endParaRPr kumimoji="0" lang="en-US" altLang="en-US" sz="4000" b="0" i="0" u="none" strike="noStrike" cap="none" normalizeH="0" baseline="0" dirty="0">
+              <a:ln>
+                <a:noFill/>
+              </a:ln>
+              <a:solidFill>
+                <a:schemeClr val="tx1"/>
+              </a:solidFill>
+              <a:effectLst/>
+              <a:latin typeface="Consolas" panose="020B0609020204030204" pitchFamily="49" charset="0"/>
+            </a:endParaRPr>
+          </a:p>
+        </p:txBody>
+      </p:sp>
+      <p:sp>
+        <p:nvSpPr>
+          <p:cNvPr id="9" name="TextBox 8">
+            <a:extLst>
+              <a:ext uri="{FF2B5EF4-FFF2-40B4-BE49-F238E27FC236}">
+                <a16:creationId xmlns:a16="http://schemas.microsoft.com/office/drawing/2014/main" id="{29EEFD1A-B0AD-4D94-A6D4-9B2E778ABD29}"/>
+              </a:ext>
+            </a:extLst>
+          </p:cNvPr>
+          <p:cNvSpPr txBox="1"/>
+          <p:nvPr/>
+        </p:nvSpPr>
+        <p:spPr>
+          <a:xfrm>
+            <a:off x="194046" y="3391292"/>
+            <a:ext cx="1567415" cy="400110"/>
+          </a:xfrm>
+          <a:prstGeom prst="rect">
+            <a:avLst/>
+          </a:prstGeom>
+          <a:noFill/>
+        </p:spPr>
+        <p:txBody>
+          <a:bodyPr wrap="square">
+            <a:spAutoFit/>
+          </a:bodyPr>
+          <a:lstStyle/>
+          <a:p>
+            <a:pPr marL="0" marR="0" lvl="0" indent="0" algn="l" defTabSz="914400" rtl="0" eaLnBrk="1" fontAlgn="auto" latinLnBrk="0" hangingPunct="1">
+              <a:lnSpc>
+                <a:spcPct val="100000"/>
+              </a:lnSpc>
+              <a:spcBef>
+                <a:spcPts val="0"/>
+              </a:spcBef>
+              <a:spcAft>
+                <a:spcPts val="0"/>
+              </a:spcAft>
+              <a:buClrTx/>
+              <a:buSzTx/>
+              <a:buFontTx/>
+              <a:buNone/>
+              <a:tabLst/>
+              <a:defRPr/>
+            </a:pPr>
+            <a:r>
+              <a:rPr lang="es-ES" sz="2000" noProof="0" dirty="0">
+                <a:latin typeface="Open Sans" panose="020B0606030504020204" pitchFamily="34" charset="0"/>
+                <a:ea typeface="Open Sans" panose="020B0606030504020204" pitchFamily="34" charset="0"/>
+                <a:cs typeface="Open Sans" panose="020B0606030504020204" pitchFamily="34" charset="0"/>
+              </a:rPr>
+              <a:t>macOS</a:t>
+            </a:r>
+            <a:endParaRPr kumimoji="0" lang="es-ES" sz="2000" b="0" i="0" u="none" strike="noStrike" kern="1200" cap="none" spc="0" normalizeH="0" baseline="0" noProof="0" dirty="0">
+              <a:ln>
+                <a:noFill/>
+              </a:ln>
+              <a:effectLst/>
+              <a:uLnTx/>
+              <a:uFillTx/>
+              <a:latin typeface="Open Sans" panose="020B0606030504020204" pitchFamily="34" charset="0"/>
+              <a:ea typeface="Open Sans" panose="020B0606030504020204" pitchFamily="34" charset="0"/>
+              <a:cs typeface="Open Sans" panose="020B0606030504020204" pitchFamily="34" charset="0"/>
+            </a:endParaRPr>
+          </a:p>
+        </p:txBody>
+      </p:sp>
+      <p:sp>
+        <p:nvSpPr>
+          <p:cNvPr id="10" name="TextBox 9">
+            <a:extLst>
+              <a:ext uri="{FF2B5EF4-FFF2-40B4-BE49-F238E27FC236}">
+                <a16:creationId xmlns:a16="http://schemas.microsoft.com/office/drawing/2014/main" id="{3E695845-D4D9-4CF8-9306-2E19927D9DF7}"/>
+              </a:ext>
+            </a:extLst>
+          </p:cNvPr>
+          <p:cNvSpPr txBox="1"/>
+          <p:nvPr/>
+        </p:nvSpPr>
+        <p:spPr>
+          <a:xfrm>
+            <a:off x="194046" y="2218482"/>
+            <a:ext cx="1567415" cy="400110"/>
+          </a:xfrm>
+          <a:prstGeom prst="rect">
+            <a:avLst/>
+          </a:prstGeom>
+          <a:noFill/>
+        </p:spPr>
+        <p:txBody>
+          <a:bodyPr wrap="square">
+            <a:spAutoFit/>
+          </a:bodyPr>
+          <a:lstStyle/>
+          <a:p>
+            <a:pPr marL="0" marR="0" lvl="0" indent="0" algn="l" defTabSz="914400" rtl="0" eaLnBrk="1" fontAlgn="auto" latinLnBrk="0" hangingPunct="1">
+              <a:lnSpc>
+                <a:spcPct val="100000"/>
+              </a:lnSpc>
+              <a:spcBef>
+                <a:spcPts val="0"/>
+              </a:spcBef>
+              <a:spcAft>
+                <a:spcPts val="0"/>
+              </a:spcAft>
+              <a:buClrTx/>
+              <a:buSzTx/>
+              <a:buFontTx/>
+              <a:buNone/>
+              <a:tabLst/>
+              <a:defRPr/>
+            </a:pPr>
+            <a:r>
+              <a:rPr lang="es-ES" sz="2000" noProof="0" dirty="0">
+                <a:latin typeface="Open Sans" panose="020B0606030504020204" pitchFamily="34" charset="0"/>
+                <a:ea typeface="Open Sans" panose="020B0606030504020204" pitchFamily="34" charset="0"/>
+                <a:cs typeface="Open Sans" panose="020B0606030504020204" pitchFamily="34" charset="0"/>
+              </a:rPr>
+              <a:t>Windows</a:t>
+            </a:r>
+            <a:endParaRPr kumimoji="0" lang="es-ES" sz="2000" b="0" i="0" u="none" strike="noStrike" kern="1200" cap="none" spc="0" normalizeH="0" baseline="0" noProof="0" dirty="0">
+              <a:ln>
+                <a:noFill/>
+              </a:ln>
+              <a:effectLst/>
+              <a:uLnTx/>
+              <a:uFillTx/>
+              <a:latin typeface="Open Sans" panose="020B0606030504020204" pitchFamily="34" charset="0"/>
+              <a:ea typeface="Open Sans" panose="020B0606030504020204" pitchFamily="34" charset="0"/>
+              <a:cs typeface="Open Sans" panose="020B0606030504020204" pitchFamily="34" charset="0"/>
+            </a:endParaRPr>
+          </a:p>
+        </p:txBody>
+      </p:sp>
+    </p:spTree>
+    <p:extLst>
+      <p:ext uri="{BB962C8B-B14F-4D97-AF65-F5344CB8AC3E}">
+        <p14:creationId xmlns:p14="http://schemas.microsoft.com/office/powerpoint/2010/main" val="3857488897"/>
+      </p:ext>
+    </p:extLst>
+  </p:cSld>
+  <p:clrMapOvr>
+    <a:masterClrMapping/>
+  </p:clrMapOvr>
+  <p:timing>
+    <p:tnLst>
+      <p:par>
+        <p:cTn id="1" dur="indefinite" restart="never" nodeType="tmRoot">
+          <p:childTnLst>
+            <p:seq concurrent="1" nextAc="seek">
+              <p:cTn id="2" dur="indefinite" nodeType="mainSeq">
+                <p:childTnLst>
+                  <p:par>
+                    <p:cTn id="3" fill="hold">
+                      <p:stCondLst>
+                        <p:cond delay="indefinite"/>
+                        <p:cond evt="onBegin" delay="0">
+                          <p:tn val="2"/>
+                        </p:cond>
+                      </p:stCondLst>
+                      <p:childTnLst>
+                        <p:par>
+                          <p:cTn id="4" fill="hold">
+                            <p:stCondLst>
+                              <p:cond delay="0"/>
+                            </p:stCondLst>
+                            <p:childTnLst>
+                              <p:par>
+                                <p:cTn id="5" presetID="10" presetClass="entr" presetSubtype="0" fill="hold" grpId="0" nodeType="afterEffect">
+                                  <p:stCondLst>
+                                    <p:cond delay="0"/>
+                                  </p:stCondLst>
+                                  <p:childTnLst>
+                                    <p:set>
+                                      <p:cBhvr>
+                                        <p:cTn id="6" dur="1" fill="hold">
+                                          <p:stCondLst>
+                                            <p:cond delay="0"/>
+                                          </p:stCondLst>
+                                        </p:cTn>
+                                        <p:tgtEl>
+                                          <p:spTgt spid="11">
+                                            <p:txEl>
+                                              <p:pRg st="0" end="0"/>
+                                            </p:txEl>
+                                          </p:spTgt>
+                                        </p:tgtEl>
+                                        <p:attrNameLst>
+                                          <p:attrName>style.visibility</p:attrName>
+                                        </p:attrNameLst>
+                                      </p:cBhvr>
+                                      <p:to>
+                                        <p:strVal val="visible"/>
+                                      </p:to>
+                                    </p:set>
+                                    <p:animEffect transition="in" filter="fade">
+                                      <p:cBhvr>
+                                        <p:cTn id="7" dur="500"/>
+                                        <p:tgtEl>
+                                          <p:spTgt spid="11">
+                                            <p:txEl>
+                                              <p:pRg st="0" end="0"/>
+                                            </p:txEl>
+                                          </p:spTgt>
+                                        </p:tgtEl>
+                                      </p:cBhvr>
+                                    </p:animEffect>
+                                  </p:childTnLst>
+                                </p:cTn>
+                              </p:par>
+                            </p:childTnLst>
+                          </p:cTn>
+                        </p:par>
+                        <p:par>
+                          <p:cTn id="8" fill="hold">
+                            <p:stCondLst>
+                              <p:cond delay="500"/>
+                            </p:stCondLst>
+                            <p:childTnLst>
+                              <p:par>
+                                <p:cTn id="9" presetID="10" presetClass="entr" presetSubtype="0" fill="hold" grpId="0" nodeType="afterEffect">
+                                  <p:stCondLst>
+                                    <p:cond delay="0"/>
+                                  </p:stCondLst>
+                                  <p:childTnLst>
+                                    <p:set>
+                                      <p:cBhvr>
+                                        <p:cTn id="10" dur="1" fill="hold">
+                                          <p:stCondLst>
+                                            <p:cond delay="0"/>
+                                          </p:stCondLst>
+                                        </p:cTn>
+                                        <p:tgtEl>
+                                          <p:spTgt spid="27"/>
+                                        </p:tgtEl>
+                                        <p:attrNameLst>
+                                          <p:attrName>style.visibility</p:attrName>
+                                        </p:attrNameLst>
+                                      </p:cBhvr>
+                                      <p:to>
+                                        <p:strVal val="visible"/>
+                                      </p:to>
+                                    </p:set>
+                                    <p:animEffect transition="in" filter="fade">
+                                      <p:cBhvr>
+                                        <p:cTn id="11" dur="500"/>
+                                        <p:tgtEl>
+                                          <p:spTgt spid="27"/>
+                                        </p:tgtEl>
+                                      </p:cBhvr>
+                                    </p:animEffect>
+                                  </p:childTnLst>
+                                </p:cTn>
+                              </p:par>
+                              <p:par>
+                                <p:cTn id="12" presetID="42" presetClass="path" presetSubtype="0" decel="100000" fill="hold" grpId="1" nodeType="withEffect">
+                                  <p:stCondLst>
+                                    <p:cond delay="0"/>
+                                  </p:stCondLst>
+                                  <p:childTnLst>
+                                    <p:animMotion origin="layout" path="M 0 4.44444E-6 L 0 0.03287 " pathEditMode="relative" rAng="0" ptsTypes="AA">
+                                      <p:cBhvr>
+                                        <p:cTn id="13" dur="500" spd="-100000" fill="hold"/>
+                                        <p:tgtEl>
+                                          <p:spTgt spid="27"/>
+                                        </p:tgtEl>
+                                        <p:attrNameLst>
+                                          <p:attrName>ppt_x</p:attrName>
+                                          <p:attrName>ppt_y</p:attrName>
+                                        </p:attrNameLst>
+                                      </p:cBhvr>
+                                      <p:rCtr x="0" y="1644"/>
+                                    </p:animMotion>
+                                  </p:childTnLst>
+                                </p:cTn>
+                              </p:par>
+                            </p:childTnLst>
+                          </p:cTn>
+                        </p:par>
+                        <p:par>
+                          <p:cTn id="14" fill="hold">
+                            <p:stCondLst>
+                              <p:cond delay="1000"/>
+                            </p:stCondLst>
+                            <p:childTnLst>
+                              <p:par>
+                                <p:cTn id="15" presetID="10" presetClass="entr" presetSubtype="0" fill="hold" grpId="0" nodeType="afterEffect">
+                                  <p:stCondLst>
+                                    <p:cond delay="0"/>
+                                  </p:stCondLst>
+                                  <p:childTnLst>
+                                    <p:set>
+                                      <p:cBhvr>
+                                        <p:cTn id="16" dur="1" fill="hold">
+                                          <p:stCondLst>
+                                            <p:cond delay="0"/>
+                                          </p:stCondLst>
+                                        </p:cTn>
+                                        <p:tgtEl>
+                                          <p:spTgt spid="9">
+                                            <p:txEl>
+                                              <p:pRg st="0" end="0"/>
+                                            </p:txEl>
+                                          </p:spTgt>
+                                        </p:tgtEl>
+                                        <p:attrNameLst>
+                                          <p:attrName>style.visibility</p:attrName>
+                                        </p:attrNameLst>
+                                      </p:cBhvr>
+                                      <p:to>
+                                        <p:strVal val="visible"/>
+                                      </p:to>
+                                    </p:set>
+                                    <p:animEffect transition="in" filter="fade">
+                                      <p:cBhvr>
+                                        <p:cTn id="17" dur="500"/>
+                                        <p:tgtEl>
+                                          <p:spTgt spid="9">
+                                            <p:txEl>
+                                              <p:pRg st="0" end="0"/>
+                                            </p:txEl>
+                                          </p:spTgt>
+                                        </p:tgtEl>
+                                      </p:cBhvr>
+                                    </p:animEffect>
+                                  </p:childTnLst>
+                                </p:cTn>
+                              </p:par>
+                            </p:childTnLst>
+                          </p:cTn>
+                        </p:par>
+                        <p:par>
+                          <p:cTn id="18" fill="hold">
+                            <p:stCondLst>
+                              <p:cond delay="1500"/>
+                            </p:stCondLst>
+                            <p:childTnLst>
+                              <p:par>
+                                <p:cTn id="19" presetID="10" presetClass="entr" presetSubtype="0" fill="hold" grpId="0" nodeType="afterEffect">
+                                  <p:stCondLst>
+                                    <p:cond delay="0"/>
+                                  </p:stCondLst>
+                                  <p:childTnLst>
+                                    <p:set>
+                                      <p:cBhvr>
+                                        <p:cTn id="20" dur="1" fill="hold">
+                                          <p:stCondLst>
+                                            <p:cond delay="0"/>
+                                          </p:stCondLst>
+                                        </p:cTn>
+                                        <p:tgtEl>
+                                          <p:spTgt spid="10">
+                                            <p:txEl>
+                                              <p:pRg st="0" end="0"/>
+                                            </p:txEl>
+                                          </p:spTgt>
+                                        </p:tgtEl>
+                                        <p:attrNameLst>
+                                          <p:attrName>style.visibility</p:attrName>
+                                        </p:attrNameLst>
+                                      </p:cBhvr>
+                                      <p:to>
+                                        <p:strVal val="visible"/>
+                                      </p:to>
+                                    </p:set>
+                                    <p:animEffect transition="in" filter="fade">
+                                      <p:cBhvr>
+                                        <p:cTn id="21" dur="500"/>
+                                        <p:tgtEl>
+                                          <p:spTgt spid="10">
+                                            <p:txEl>
+                                              <p:pRg st="0" end="0"/>
+                                            </p:txEl>
+                                          </p:spTgt>
+                                        </p:tgtEl>
+                                      </p:cBhvr>
+                                    </p:animEffect>
+                                  </p:childTnLst>
+                                </p:cTn>
+                              </p:par>
+                            </p:childTnLst>
+                          </p:cTn>
+                        </p:par>
+                      </p:childTnLst>
+                    </p:cTn>
+                  </p:par>
+                </p:childTnLst>
+              </p:cTn>
+              <p:prevCondLst>
+                <p:cond evt="onPrev" delay="0">
+                  <p:tgtEl>
+                    <p:sldTgt/>
+                  </p:tgtEl>
+                </p:cond>
+              </p:prevCondLst>
+              <p:nextCondLst>
+                <p:cond evt="onNext" delay="0">
+                  <p:tgtEl>
+                    <p:sldTgt/>
+                  </p:tgtEl>
+                </p:cond>
+              </p:nextCondLst>
+            </p:seq>
+          </p:childTnLst>
+        </p:cTn>
+      </p:par>
+    </p:tnLst>
+    <p:bldLst>
+      <p:bldP spid="11" grpId="0" uiExpand="1" build="p"/>
+      <p:bldP spid="27" grpId="0"/>
+      <p:bldP spid="27" grpId="1"/>
+      <p:bldP spid="9" grpId="0" uiExpand="1" build="p"/>
+      <p:bldP spid="10" grpId="0" uiExpand="1" build="p"/>
+    </p:bldLst>
+  </p:timing>
+</p:sld>
+</file>
+
+<file path=ppt/slides/slide5.xml><?xml version="1.0" encoding="utf-8"?>
 <p:sld xmlns:a="http://schemas.openxmlformats.org/drawingml/2006/main" xmlns:r="http://schemas.openxmlformats.org/officeDocument/2006/relationships" xmlns:p="http://schemas.openxmlformats.org/presentationml/2006/main">
   <p:cSld>
     <p:spTree>
